--- a/M.pptx
+++ b/M.pptx
@@ -5,15 +5,17 @@
     <p:sldMasterId id="2147483674" r:id="rId1"/>
   </p:sldMasterIdLst>
   <p:notesMasterIdLst>
-    <p:notesMasterId r:id="rId8"/>
+    <p:notesMasterId r:id="rId10"/>
   </p:notesMasterIdLst>
   <p:sldIdLst>
     <p:sldId id="3355" r:id="rId2"/>
     <p:sldId id="3369" r:id="rId3"/>
     <p:sldId id="3370" r:id="rId4"/>
     <p:sldId id="3468" r:id="rId5"/>
-    <p:sldId id="3467" r:id="rId6"/>
-    <p:sldId id="3368" r:id="rId7"/>
+    <p:sldId id="3469" r:id="rId6"/>
+    <p:sldId id="3470" r:id="rId7"/>
+    <p:sldId id="3467" r:id="rId8"/>
+    <p:sldId id="3368" r:id="rId9"/>
   </p:sldIdLst>
   <p:sldSz cx="9144000" cy="5143500" type="screen16x9"/>
   <p:notesSz cx="6858000" cy="9144000"/>
@@ -221,7 +223,7 @@
           <a:p>
             <a:fld id="{190E3D3F-5D71-F84F-82B3-3B217197E87B}" type="datetimeFigureOut">
               <a:rPr lang="en-US" smtClean="0"/>
-              <a:t>2025-10-14</a:t>
+              <a:t>2025-10-16</a:t>
             </a:fld>
             <a:endParaRPr lang="en-US" dirty="0"/>
           </a:p>
@@ -10721,7 +10723,7 @@
                 <a:ea typeface="Adobe Fan Heiti Std B" panose="020B0700000000000000" pitchFamily="34" charset="-128"/>
                 <a:cs typeface="Tahoma" panose="020B0604030504040204" pitchFamily="34" charset="0"/>
               </a:rPr>
-              <a:t>Why M code?</a:t>
+              <a:t>Why M Code?</a:t>
             </a:r>
           </a:p>
         </p:txBody>
@@ -10743,7 +10745,7 @@
         <p:spPr bwMode="auto">
           <a:xfrm>
             <a:off x="369277" y="1148861"/>
-            <a:ext cx="7696200" cy="662353"/>
+            <a:ext cx="7696200" cy="915263"/>
           </a:xfrm>
           <a:prstGeom prst="rect">
             <a:avLst/>
@@ -10941,7 +10943,7 @@
                 <a:ea typeface="Adobe Fan Heiti Std B" panose="020B0700000000000000" pitchFamily="34" charset="-128"/>
                 <a:cs typeface="Tahoma" panose="020B0604030504040204" pitchFamily="34" charset="0"/>
               </a:rPr>
-              <a:t>Power Query helps you </a:t>
+              <a:t>M Code is the </a:t>
             </a:r>
             <a:r>
               <a:rPr lang="en-GB" altLang="en-US" sz="1100" b="1" dirty="0">
@@ -10952,7 +10954,7 @@
                 <a:ea typeface="Adobe Fan Heiti Std B" panose="020B0700000000000000" pitchFamily="34" charset="-128"/>
                 <a:cs typeface="Tahoma" panose="020B0604030504040204" pitchFamily="34" charset="0"/>
               </a:rPr>
-              <a:t>clean, shape &amp; organize your data</a:t>
+              <a:t>instruction manual </a:t>
             </a:r>
             <a:r>
               <a:rPr lang="en-GB" altLang="en-US" sz="1100" dirty="0">
@@ -10963,7 +10965,7 @@
                 <a:ea typeface="Adobe Fan Heiti Std B" panose="020B0700000000000000" pitchFamily="34" charset="-128"/>
                 <a:cs typeface="Tahoma" panose="020B0604030504040204" pitchFamily="34" charset="0"/>
               </a:rPr>
-              <a:t> without complex formulas.</a:t>
+              <a:t>behind Power Query – it tells your data what to do.</a:t>
             </a:r>
           </a:p>
           <a:p>
@@ -10998,7 +11000,7 @@
                 <a:ea typeface="Adobe Fan Heiti Std B" panose="020B0700000000000000" pitchFamily="34" charset="-128"/>
                 <a:cs typeface="Tahoma" panose="020B0604030504040204" pitchFamily="34" charset="0"/>
               </a:rPr>
-              <a:t>M Code is the </a:t>
+              <a:t>Power Query helps you </a:t>
             </a:r>
             <a:r>
               <a:rPr lang="en-GB" altLang="en-US" sz="1100" b="1" dirty="0">
@@ -11009,7 +11011,7 @@
                 <a:ea typeface="Adobe Fan Heiti Std B" panose="020B0700000000000000" pitchFamily="34" charset="-128"/>
                 <a:cs typeface="Tahoma" panose="020B0604030504040204" pitchFamily="34" charset="0"/>
               </a:rPr>
-              <a:t>instruction manual </a:t>
+              <a:t>clean, shape &amp; organize your data</a:t>
             </a:r>
             <a:r>
               <a:rPr lang="en-GB" altLang="en-US" sz="1100" dirty="0">
@@ -11020,7 +11022,131 @@
                 <a:ea typeface="Adobe Fan Heiti Std B" panose="020B0700000000000000" pitchFamily="34" charset="-128"/>
                 <a:cs typeface="Tahoma" panose="020B0604030504040204" pitchFamily="34" charset="0"/>
               </a:rPr>
-              <a:t>behind Power Query – it tells your data what to do.</a:t>
+              <a:t> without complex formulas.</a:t>
+            </a:r>
+          </a:p>
+          <a:p>
+            <a:pPr>
+              <a:spcBef>
+                <a:spcPct val="0"/>
+              </a:spcBef>
+              <a:buSzTx/>
+              <a:buNone/>
+            </a:pPr>
+            <a:endParaRPr lang="en-GB" altLang="en-US" sz="1100" dirty="0">
+              <a:solidFill>
+                <a:schemeClr val="tx1"/>
+              </a:solidFill>
+              <a:latin typeface="Century Gothic" panose="020B0502020202020204" pitchFamily="34" charset="0"/>
+              <a:ea typeface="Adobe Fan Heiti Std B" panose="020B0700000000000000" pitchFamily="34" charset="-128"/>
+              <a:cs typeface="Tahoma" panose="020B0604030504040204" pitchFamily="34" charset="0"/>
+            </a:endParaRPr>
+          </a:p>
+          <a:p>
+            <a:pPr marL="342900" indent="-342900">
+              <a:spcBef>
+                <a:spcPct val="0"/>
+              </a:spcBef>
+              <a:buSzTx/>
+            </a:pPr>
+            <a:r>
+              <a:rPr lang="en-GB" altLang="en-US" sz="1100" dirty="0">
+                <a:solidFill>
+                  <a:schemeClr val="tx1"/>
+                </a:solidFill>
+                <a:latin typeface="Century Gothic" panose="020B0502020202020204" pitchFamily="34" charset="0"/>
+                <a:ea typeface="Adobe Fan Heiti Std B" panose="020B0700000000000000" pitchFamily="34" charset="-128"/>
+                <a:cs typeface="Tahoma" panose="020B0604030504040204" pitchFamily="34" charset="0"/>
+              </a:rPr>
+              <a:t>Used in </a:t>
+            </a:r>
+            <a:r>
+              <a:rPr lang="en-GB" altLang="en-US" sz="1100" b="1" dirty="0">
+                <a:solidFill>
+                  <a:schemeClr val="tx1"/>
+                </a:solidFill>
+                <a:latin typeface="Century Gothic" panose="020B0502020202020204" pitchFamily="34" charset="0"/>
+                <a:ea typeface="Adobe Fan Heiti Std B" panose="020B0700000000000000" pitchFamily="34" charset="-128"/>
+                <a:cs typeface="Tahoma" panose="020B0604030504040204" pitchFamily="34" charset="0"/>
+              </a:rPr>
+              <a:t>Excel</a:t>
+            </a:r>
+            <a:r>
+              <a:rPr lang="en-GB" altLang="en-US" sz="1100" dirty="0">
+                <a:solidFill>
+                  <a:schemeClr val="tx1"/>
+                </a:solidFill>
+                <a:latin typeface="Century Gothic" panose="020B0502020202020204" pitchFamily="34" charset="0"/>
+                <a:ea typeface="Adobe Fan Heiti Std B" panose="020B0700000000000000" pitchFamily="34" charset="-128"/>
+                <a:cs typeface="Tahoma" panose="020B0604030504040204" pitchFamily="34" charset="0"/>
+              </a:rPr>
+              <a:t>, </a:t>
+            </a:r>
+            <a:r>
+              <a:rPr lang="en-GB" altLang="en-US" sz="1100" b="1" dirty="0">
+                <a:solidFill>
+                  <a:schemeClr val="tx1"/>
+                </a:solidFill>
+                <a:latin typeface="Century Gothic" panose="020B0502020202020204" pitchFamily="34" charset="0"/>
+                <a:ea typeface="Adobe Fan Heiti Std B" panose="020B0700000000000000" pitchFamily="34" charset="-128"/>
+                <a:cs typeface="Tahoma" panose="020B0604030504040204" pitchFamily="34" charset="0"/>
+              </a:rPr>
+              <a:t>Power BI</a:t>
+            </a:r>
+            <a:r>
+              <a:rPr lang="en-GB" altLang="en-US" sz="1100" dirty="0">
+                <a:solidFill>
+                  <a:schemeClr val="tx1"/>
+                </a:solidFill>
+                <a:latin typeface="Century Gothic" panose="020B0502020202020204" pitchFamily="34" charset="0"/>
+                <a:ea typeface="Adobe Fan Heiti Std B" panose="020B0700000000000000" pitchFamily="34" charset="-128"/>
+                <a:cs typeface="Tahoma" panose="020B0604030504040204" pitchFamily="34" charset="0"/>
+              </a:rPr>
+              <a:t> and other </a:t>
+            </a:r>
+            <a:r>
+              <a:rPr lang="en-GB" altLang="en-US" sz="1100" b="1" dirty="0">
+                <a:solidFill>
+                  <a:schemeClr val="tx1"/>
+                </a:solidFill>
+                <a:latin typeface="Century Gothic" panose="020B0502020202020204" pitchFamily="34" charset="0"/>
+                <a:ea typeface="Adobe Fan Heiti Std B" panose="020B0700000000000000" pitchFamily="34" charset="-128"/>
+                <a:cs typeface="Tahoma" panose="020B0604030504040204" pitchFamily="34" charset="0"/>
+              </a:rPr>
+              <a:t>Microsoft BI</a:t>
+            </a:r>
+            <a:r>
+              <a:rPr lang="en-GB" altLang="en-US" sz="1100" dirty="0">
+                <a:solidFill>
+                  <a:schemeClr val="tx1"/>
+                </a:solidFill>
+                <a:latin typeface="Century Gothic" panose="020B0502020202020204" pitchFamily="34" charset="0"/>
+                <a:ea typeface="Adobe Fan Heiti Std B" panose="020B0700000000000000" pitchFamily="34" charset="-128"/>
+                <a:cs typeface="Tahoma" panose="020B0604030504040204" pitchFamily="34" charset="0"/>
+              </a:rPr>
+              <a:t> </a:t>
+            </a:r>
+            <a:r>
+              <a:rPr lang="en-GB" altLang="en-US" sz="1100" b="1" dirty="0">
+                <a:solidFill>
+                  <a:schemeClr val="tx1"/>
+                </a:solidFill>
+                <a:latin typeface="Century Gothic" panose="020B0502020202020204" pitchFamily="34" charset="0"/>
+                <a:ea typeface="Adobe Fan Heiti Std B" panose="020B0700000000000000" pitchFamily="34" charset="-128"/>
+                <a:cs typeface="Tahoma" panose="020B0604030504040204" pitchFamily="34" charset="0"/>
+              </a:rPr>
+              <a:t>Tools</a:t>
+            </a:r>
+            <a:r>
+              <a:rPr lang="en-GB" altLang="en-US" sz="1100" dirty="0">
+                <a:solidFill>
+                  <a:schemeClr val="tx1"/>
+                </a:solidFill>
+                <a:latin typeface="Century Gothic" panose="020B0502020202020204" pitchFamily="34" charset="0"/>
+                <a:ea typeface="Adobe Fan Heiti Std B" panose="020B0700000000000000" pitchFamily="34" charset="-128"/>
+                <a:cs typeface="Tahoma" panose="020B0604030504040204" pitchFamily="34" charset="0"/>
+              </a:rPr>
+              <a:t>.</a:t>
             </a:r>
           </a:p>
           <a:p>
@@ -11057,7 +11183,7 @@
         </p:nvSpPr>
         <p:spPr bwMode="auto">
           <a:xfrm>
-            <a:off x="566487" y="2180489"/>
+            <a:off x="465567" y="2368933"/>
             <a:ext cx="7696200" cy="463062"/>
           </a:xfrm>
           <a:prstGeom prst="rect">
@@ -11279,8 +11405,8 @@
         </p:nvSpPr>
         <p:spPr bwMode="auto">
           <a:xfrm>
-            <a:off x="982233" y="2649420"/>
-            <a:ext cx="2344614" cy="1673467"/>
+            <a:off x="982233" y="2774567"/>
+            <a:ext cx="2035609" cy="1673467"/>
           </a:xfrm>
           <a:prstGeom prst="rect">
             <a:avLst/>
@@ -11472,7 +11598,7 @@
               <a:buNone/>
             </a:pPr>
             <a:r>
-              <a:rPr lang="en-GB" altLang="en-US" b="1" dirty="0">
+              <a:rPr lang="en-GB" altLang="en-US" sz="1700" b="1" dirty="0">
                 <a:solidFill>
                   <a:schemeClr val="tx1"/>
                 </a:solidFill>
@@ -11501,8 +11627,8 @@
         </p:nvSpPr>
         <p:spPr bwMode="auto">
           <a:xfrm>
-            <a:off x="3742593" y="2649420"/>
-            <a:ext cx="2107222" cy="1523995"/>
+            <a:off x="3750274" y="2774567"/>
+            <a:ext cx="1771295" cy="1523995"/>
           </a:xfrm>
           <a:prstGeom prst="rect">
             <a:avLst/>
@@ -11694,7 +11820,7 @@
               <a:buNone/>
             </a:pPr>
             <a:r>
-              <a:rPr lang="en-GB" altLang="en-US" b="1" dirty="0">
+              <a:rPr lang="en-GB" altLang="en-US" sz="1700" b="1" dirty="0">
                 <a:solidFill>
                   <a:schemeClr val="tx1"/>
                 </a:solidFill>
@@ -11723,8 +11849,8 @@
         </p:nvSpPr>
         <p:spPr bwMode="auto">
           <a:xfrm>
-            <a:off x="6126159" y="2643551"/>
-            <a:ext cx="2344615" cy="1863965"/>
+            <a:off x="6126160" y="2774567"/>
+            <a:ext cx="2035608" cy="1863965"/>
           </a:xfrm>
           <a:prstGeom prst="rect">
             <a:avLst/>
@@ -11916,7 +12042,7 @@
               <a:buNone/>
             </a:pPr>
             <a:r>
-              <a:rPr lang="en-GB" altLang="en-US" b="1" dirty="0">
+              <a:rPr lang="en-GB" altLang="en-US" sz="1700" b="1" dirty="0">
                 <a:solidFill>
                   <a:schemeClr val="tx1"/>
                 </a:solidFill>
@@ -12639,17 +12765,92 @@
             <a:r>
               <a:rPr lang="en-US" altLang="en-US" sz="1200" b="1" dirty="0">
                 <a:solidFill>
-                  <a:schemeClr val="tx1"/>
+                  <a:schemeClr val="accent1">
+                    <a:lumMod val="20000"/>
+                    <a:lumOff val="80000"/>
+                  </a:schemeClr>
                 </a:solidFill>
                 <a:latin typeface="Century Gothic" panose="020B0502020202020204" pitchFamily="34" charset="0"/>
                 <a:ea typeface="Adobe Fan Heiti Std B" panose="020B0700000000000000" pitchFamily="34" charset="-128"/>
                 <a:cs typeface="Tahoma" panose="020B0604030504040204" pitchFamily="34" charset="0"/>
               </a:rPr>
-              <a:t>Take sales table → clean/make required changes → aggregate sales by region → return final table</a:t>
+              <a:t>Take sales table </a:t>
+            </a:r>
+            <a:r>
+              <a:rPr lang="en-US" altLang="en-US" sz="1200" b="1" dirty="0">
+                <a:solidFill>
+                  <a:schemeClr val="tx1"/>
+                </a:solidFill>
+                <a:latin typeface="Century Gothic" panose="020B0502020202020204" pitchFamily="34" charset="0"/>
+                <a:ea typeface="Adobe Fan Heiti Std B" panose="020B0700000000000000" pitchFamily="34" charset="-128"/>
+                <a:cs typeface="Tahoma" panose="020B0604030504040204" pitchFamily="34" charset="0"/>
+              </a:rPr>
+              <a:t>→ </a:t>
+            </a:r>
+            <a:r>
+              <a:rPr lang="en-US" altLang="en-US" sz="1200" b="1" dirty="0">
+                <a:solidFill>
+                  <a:schemeClr val="accent1">
+                    <a:lumMod val="40000"/>
+                    <a:lumOff val="60000"/>
+                  </a:schemeClr>
+                </a:solidFill>
+                <a:latin typeface="Century Gothic" panose="020B0502020202020204" pitchFamily="34" charset="0"/>
+                <a:ea typeface="Adobe Fan Heiti Std B" panose="020B0700000000000000" pitchFamily="34" charset="-128"/>
+                <a:cs typeface="Tahoma" panose="020B0604030504040204" pitchFamily="34" charset="0"/>
+              </a:rPr>
+              <a:t>clean/make required changes </a:t>
+            </a:r>
+            <a:r>
+              <a:rPr lang="en-US" altLang="en-US" sz="1200" b="1" dirty="0">
+                <a:solidFill>
+                  <a:schemeClr val="tx1"/>
+                </a:solidFill>
+                <a:latin typeface="Century Gothic" panose="020B0502020202020204" pitchFamily="34" charset="0"/>
+                <a:ea typeface="Adobe Fan Heiti Std B" panose="020B0700000000000000" pitchFamily="34" charset="-128"/>
+                <a:cs typeface="Tahoma" panose="020B0604030504040204" pitchFamily="34" charset="0"/>
+              </a:rPr>
+              <a:t>→ </a:t>
+            </a:r>
+            <a:r>
+              <a:rPr lang="en-US" altLang="en-US" sz="1200" b="1" dirty="0">
+                <a:solidFill>
+                  <a:schemeClr val="accent1">
+                    <a:lumMod val="60000"/>
+                    <a:lumOff val="40000"/>
+                  </a:schemeClr>
+                </a:solidFill>
+                <a:latin typeface="Century Gothic" panose="020B0502020202020204" pitchFamily="34" charset="0"/>
+                <a:ea typeface="Adobe Fan Heiti Std B" panose="020B0700000000000000" pitchFamily="34" charset="-128"/>
+                <a:cs typeface="Tahoma" panose="020B0604030504040204" pitchFamily="34" charset="0"/>
+              </a:rPr>
+              <a:t>aggregate sales by region </a:t>
+            </a:r>
+            <a:r>
+              <a:rPr lang="en-US" altLang="en-US" sz="1200" b="1" dirty="0">
+                <a:solidFill>
+                  <a:schemeClr val="tx1"/>
+                </a:solidFill>
+                <a:latin typeface="Century Gothic" panose="020B0502020202020204" pitchFamily="34" charset="0"/>
+                <a:ea typeface="Adobe Fan Heiti Std B" panose="020B0700000000000000" pitchFamily="34" charset="-128"/>
+                <a:cs typeface="Tahoma" panose="020B0604030504040204" pitchFamily="34" charset="0"/>
+              </a:rPr>
+              <a:t>→ </a:t>
+            </a:r>
+            <a:r>
+              <a:rPr lang="en-US" altLang="en-US" sz="1200" b="1" dirty="0">
+                <a:solidFill>
+                  <a:srgbClr val="6600FF"/>
+                </a:solidFill>
+                <a:latin typeface="Century Gothic" panose="020B0502020202020204" pitchFamily="34" charset="0"/>
+                <a:ea typeface="Adobe Fan Heiti Std B" panose="020B0700000000000000" pitchFamily="34" charset="-128"/>
+                <a:cs typeface="Tahoma" panose="020B0604030504040204" pitchFamily="34" charset="0"/>
+              </a:rPr>
+              <a:t>return final table</a:t>
             </a:r>
             <a:endParaRPr lang="en-GB" altLang="en-US" sz="1200" b="1" dirty="0">
               <a:solidFill>
-                <a:schemeClr val="tx1"/>
+                <a:srgbClr val="6600FF"/>
               </a:solidFill>
               <a:latin typeface="Century Gothic" panose="020B0502020202020204" pitchFamily="34" charset="0"/>
               <a:ea typeface="Adobe Fan Heiti Std B" panose="020B0700000000000000" pitchFamily="34" charset="-128"/>
@@ -12739,6 +12940,3459 @@
 </file>
 
 <file path=ppt/slides/slide5.xml><?xml version="1.0" encoding="utf-8"?>
+<p:sld xmlns:a="http://schemas.openxmlformats.org/drawingml/2006/main" xmlns:r="http://schemas.openxmlformats.org/officeDocument/2006/relationships" xmlns:p="http://schemas.openxmlformats.org/presentationml/2006/main">
+  <p:cSld>
+    <p:spTree>
+      <p:nvGrpSpPr>
+        <p:cNvPr id="1" name="">
+          <a:extLst>
+            <a:ext uri="{FF2B5EF4-FFF2-40B4-BE49-F238E27FC236}">
+              <a16:creationId xmlns:a16="http://schemas.microsoft.com/office/drawing/2014/main" id="{54C00979-D499-2E66-13B0-6D96346DA603}"/>
+            </a:ext>
+          </a:extLst>
+        </p:cNvPr>
+        <p:cNvGrpSpPr/>
+        <p:nvPr/>
+      </p:nvGrpSpPr>
+      <p:grpSpPr>
+        <a:xfrm>
+          <a:off x="0" y="0"/>
+          <a:ext cx="0" cy="0"/>
+          <a:chOff x="0" y="0"/>
+          <a:chExt cx="0" cy="0"/>
+        </a:xfrm>
+      </p:grpSpPr>
+      <p:sp>
+        <p:nvSpPr>
+          <p:cNvPr id="2" name="Slide Number Placeholder 1">
+            <a:extLst>
+              <a:ext uri="{FF2B5EF4-FFF2-40B4-BE49-F238E27FC236}">
+                <a16:creationId xmlns:a16="http://schemas.microsoft.com/office/drawing/2014/main" id="{9097CEF1-6DEE-884C-7816-CE1EF4F38F0B}"/>
+              </a:ext>
+            </a:extLst>
+          </p:cNvPr>
+          <p:cNvSpPr>
+            <a:spLocks noGrp="1"/>
+          </p:cNvSpPr>
+          <p:nvPr>
+            <p:ph type="sldNum" sz="quarter" idx="4"/>
+          </p:nvPr>
+        </p:nvSpPr>
+        <p:spPr/>
+        <p:txBody>
+          <a:bodyPr/>
+          <a:lstStyle/>
+          <a:p>
+            <a:r>
+              <a:rPr lang="en-US" dirty="0"/>
+              <a:t> Page </a:t>
+            </a:r>
+            <a:fld id="{80205D91-DB12-D84E-BDF5-5C1A349B2A1B}" type="slidenum">
+              <a:rPr lang="en-US" smtClean="0"/>
+              <a:pPr/>
+              <a:t>5</a:t>
+            </a:fld>
+            <a:endParaRPr lang="en-US" dirty="0"/>
+          </a:p>
+        </p:txBody>
+      </p:sp>
+      <p:sp>
+        <p:nvSpPr>
+          <p:cNvPr id="10" name="Title 3">
+            <a:extLst>
+              <a:ext uri="{FF2B5EF4-FFF2-40B4-BE49-F238E27FC236}">
+                <a16:creationId xmlns:a16="http://schemas.microsoft.com/office/drawing/2014/main" id="{58670302-87BE-363B-FA1C-ECCF6CA1F418}"/>
+              </a:ext>
+            </a:extLst>
+          </p:cNvPr>
+          <p:cNvSpPr txBox="1">
+            <a:spLocks/>
+          </p:cNvSpPr>
+          <p:nvPr/>
+        </p:nvSpPr>
+        <p:spPr bwMode="auto">
+          <a:xfrm>
+            <a:off x="240323" y="357551"/>
+            <a:ext cx="7696200" cy="463062"/>
+          </a:xfrm>
+          <a:prstGeom prst="rect">
+            <a:avLst/>
+          </a:prstGeom>
+          <a:noFill/>
+          <a:ln>
+            <a:noFill/>
+          </a:ln>
+          <a:extLst>
+            <a:ext uri="{909E8E84-426E-40DD-AFC4-6F175D3DCCD1}">
+              <a14:hiddenFill xmlns:a14="http://schemas.microsoft.com/office/drawing/2010/main">
+                <a:solidFill>
+                  <a:srgbClr val="FFFFFF"/>
+                </a:solidFill>
+              </a14:hiddenFill>
+            </a:ext>
+            <a:ext uri="{91240B29-F687-4F45-9708-019B960494DF}">
+              <a14:hiddenLine xmlns:a14="http://schemas.microsoft.com/office/drawing/2010/main" w="9525">
+                <a:solidFill>
+                  <a:srgbClr val="000000"/>
+                </a:solidFill>
+                <a:miter lim="800000"/>
+                <a:headEnd/>
+                <a:tailEnd/>
+              </a14:hiddenLine>
+            </a:ext>
+          </a:extLst>
+        </p:spPr>
+        <p:txBody>
+          <a:bodyPr/>
+          <a:lstStyle>
+            <a:lvl1pPr>
+              <a:spcBef>
+                <a:spcPct val="20000"/>
+              </a:spcBef>
+              <a:buSzPct val="80000"/>
+              <a:buFont typeface="Arial" panose="020B0604020202020204" pitchFamily="34" charset="0"/>
+              <a:buChar char="•"/>
+              <a:defRPr sz="2000">
+                <a:solidFill>
+                  <a:schemeClr val="bg1"/>
+                </a:solidFill>
+                <a:latin typeface="Arial" panose="020B0604020202020204" pitchFamily="34" charset="0"/>
+                <a:ea typeface="ＭＳ Ｐゴシック" panose="020B0600070205080204" pitchFamily="34" charset="-128"/>
+                <a:cs typeface="Century Gothic" panose="020B0502020202020204" pitchFamily="34" charset="0"/>
+              </a:defRPr>
+            </a:lvl1pPr>
+            <a:lvl2pPr marL="742950" indent="-285750">
+              <a:spcBef>
+                <a:spcPct val="20000"/>
+              </a:spcBef>
+              <a:buSzPct val="80000"/>
+              <a:buFont typeface="Courier New" panose="02070309020205020404" pitchFamily="49" charset="0"/>
+              <a:buChar char="o"/>
+              <a:defRPr>
+                <a:solidFill>
+                  <a:schemeClr val="bg1"/>
+                </a:solidFill>
+                <a:latin typeface="Arial" panose="020B0604020202020204" pitchFamily="34" charset="0"/>
+                <a:ea typeface="Arial" panose="020B0604020202020204" pitchFamily="34" charset="0"/>
+                <a:cs typeface="Century Gothic" panose="020B0502020202020204" pitchFamily="34" charset="0"/>
+              </a:defRPr>
+            </a:lvl2pPr>
+            <a:lvl3pPr marL="1143000" indent="-228600">
+              <a:spcBef>
+                <a:spcPct val="20000"/>
+              </a:spcBef>
+              <a:buFont typeface="Arial" panose="020B0604020202020204" pitchFamily="34" charset="0"/>
+              <a:buChar char="»"/>
+              <a:defRPr sz="1600">
+                <a:solidFill>
+                  <a:schemeClr val="bg1"/>
+                </a:solidFill>
+                <a:latin typeface="Arial" panose="020B0604020202020204" pitchFamily="34" charset="0"/>
+                <a:ea typeface="Arial" panose="020B0604020202020204" pitchFamily="34" charset="0"/>
+                <a:cs typeface="Century Gothic" panose="020B0502020202020204" pitchFamily="34" charset="0"/>
+              </a:defRPr>
+            </a:lvl3pPr>
+            <a:lvl4pPr marL="1600200" indent="-228600">
+              <a:spcBef>
+                <a:spcPct val="20000"/>
+              </a:spcBef>
+              <a:buFont typeface="Arial" panose="020B0604020202020204" pitchFamily="34" charset="0"/>
+              <a:buChar char="–"/>
+              <a:defRPr sz="1400">
+                <a:solidFill>
+                  <a:schemeClr val="bg1"/>
+                </a:solidFill>
+                <a:latin typeface="Arial" panose="020B0604020202020204" pitchFamily="34" charset="0"/>
+                <a:ea typeface="Arial" panose="020B0604020202020204" pitchFamily="34" charset="0"/>
+                <a:cs typeface="Century Gothic" panose="020B0502020202020204" pitchFamily="34" charset="0"/>
+              </a:defRPr>
+            </a:lvl4pPr>
+            <a:lvl5pPr marL="2057400" indent="-228600">
+              <a:spcBef>
+                <a:spcPct val="20000"/>
+              </a:spcBef>
+              <a:buFont typeface="Arial" panose="020B0604020202020204" pitchFamily="34" charset="0"/>
+              <a:buChar char="•"/>
+              <a:defRPr sz="1200">
+                <a:solidFill>
+                  <a:schemeClr val="bg1"/>
+                </a:solidFill>
+                <a:latin typeface="Arial" panose="020B0604020202020204" pitchFamily="34" charset="0"/>
+                <a:ea typeface="Arial" panose="020B0604020202020204" pitchFamily="34" charset="0"/>
+                <a:cs typeface="Century Gothic" panose="020B0502020202020204" pitchFamily="34" charset="0"/>
+              </a:defRPr>
+            </a:lvl5pPr>
+            <a:lvl6pPr marL="2514600" indent="-228600" eaLnBrk="0" fontAlgn="base" hangingPunct="0">
+              <a:spcBef>
+                <a:spcPct val="20000"/>
+              </a:spcBef>
+              <a:spcAft>
+                <a:spcPct val="0"/>
+              </a:spcAft>
+              <a:buFont typeface="Arial" panose="020B0604020202020204" pitchFamily="34" charset="0"/>
+              <a:buChar char="•"/>
+              <a:defRPr sz="1200">
+                <a:solidFill>
+                  <a:schemeClr val="bg1"/>
+                </a:solidFill>
+                <a:latin typeface="Arial" panose="020B0604020202020204" pitchFamily="34" charset="0"/>
+                <a:ea typeface="Arial" panose="020B0604020202020204" pitchFamily="34" charset="0"/>
+                <a:cs typeface="Century Gothic" panose="020B0502020202020204" pitchFamily="34" charset="0"/>
+              </a:defRPr>
+            </a:lvl6pPr>
+            <a:lvl7pPr marL="2971800" indent="-228600" eaLnBrk="0" fontAlgn="base" hangingPunct="0">
+              <a:spcBef>
+                <a:spcPct val="20000"/>
+              </a:spcBef>
+              <a:spcAft>
+                <a:spcPct val="0"/>
+              </a:spcAft>
+              <a:buFont typeface="Arial" panose="020B0604020202020204" pitchFamily="34" charset="0"/>
+              <a:buChar char="•"/>
+              <a:defRPr sz="1200">
+                <a:solidFill>
+                  <a:schemeClr val="bg1"/>
+                </a:solidFill>
+                <a:latin typeface="Arial" panose="020B0604020202020204" pitchFamily="34" charset="0"/>
+                <a:ea typeface="Arial" panose="020B0604020202020204" pitchFamily="34" charset="0"/>
+                <a:cs typeface="Century Gothic" panose="020B0502020202020204" pitchFamily="34" charset="0"/>
+              </a:defRPr>
+            </a:lvl7pPr>
+            <a:lvl8pPr marL="3429000" indent="-228600" eaLnBrk="0" fontAlgn="base" hangingPunct="0">
+              <a:spcBef>
+                <a:spcPct val="20000"/>
+              </a:spcBef>
+              <a:spcAft>
+                <a:spcPct val="0"/>
+              </a:spcAft>
+              <a:buFont typeface="Arial" panose="020B0604020202020204" pitchFamily="34" charset="0"/>
+              <a:buChar char="•"/>
+              <a:defRPr sz="1200">
+                <a:solidFill>
+                  <a:schemeClr val="bg1"/>
+                </a:solidFill>
+                <a:latin typeface="Arial" panose="020B0604020202020204" pitchFamily="34" charset="0"/>
+                <a:ea typeface="Arial" panose="020B0604020202020204" pitchFamily="34" charset="0"/>
+                <a:cs typeface="Century Gothic" panose="020B0502020202020204" pitchFamily="34" charset="0"/>
+              </a:defRPr>
+            </a:lvl8pPr>
+            <a:lvl9pPr marL="3886200" indent="-228600" eaLnBrk="0" fontAlgn="base" hangingPunct="0">
+              <a:spcBef>
+                <a:spcPct val="20000"/>
+              </a:spcBef>
+              <a:spcAft>
+                <a:spcPct val="0"/>
+              </a:spcAft>
+              <a:buFont typeface="Arial" panose="020B0604020202020204" pitchFamily="34" charset="0"/>
+              <a:buChar char="•"/>
+              <a:defRPr sz="1200">
+                <a:solidFill>
+                  <a:schemeClr val="bg1"/>
+                </a:solidFill>
+                <a:latin typeface="Arial" panose="020B0604020202020204" pitchFamily="34" charset="0"/>
+                <a:ea typeface="Arial" panose="020B0604020202020204" pitchFamily="34" charset="0"/>
+                <a:cs typeface="Century Gothic" panose="020B0502020202020204" pitchFamily="34" charset="0"/>
+              </a:defRPr>
+            </a:lvl9pPr>
+          </a:lstStyle>
+          <a:p>
+            <a:pPr>
+              <a:spcBef>
+                <a:spcPct val="0"/>
+              </a:spcBef>
+              <a:buSzTx/>
+              <a:buFontTx/>
+              <a:buNone/>
+            </a:pPr>
+            <a:r>
+              <a:rPr lang="en-GB" altLang="en-US" dirty="0">
+                <a:solidFill>
+                  <a:schemeClr val="tx1"/>
+                </a:solidFill>
+                <a:latin typeface="Century Gothic" panose="020B0502020202020204" pitchFamily="34" charset="0"/>
+                <a:ea typeface="Adobe Fan Heiti Std B" panose="020B0700000000000000" pitchFamily="34" charset="-128"/>
+                <a:cs typeface="Tahoma" panose="020B0604030504040204" pitchFamily="34" charset="0"/>
+              </a:rPr>
+              <a:t>Syntax Essentials – The heart of Every Query</a:t>
+            </a:r>
+          </a:p>
+        </p:txBody>
+      </p:sp>
+      <p:sp>
+        <p:nvSpPr>
+          <p:cNvPr id="3" name="Title 3">
+            <a:extLst>
+              <a:ext uri="{FF2B5EF4-FFF2-40B4-BE49-F238E27FC236}">
+                <a16:creationId xmlns:a16="http://schemas.microsoft.com/office/drawing/2014/main" id="{80CC3987-90C0-F11F-28C2-1BA30EB9F9A5}"/>
+              </a:ext>
+            </a:extLst>
+          </p:cNvPr>
+          <p:cNvSpPr txBox="1">
+            <a:spLocks/>
+          </p:cNvSpPr>
+          <p:nvPr/>
+        </p:nvSpPr>
+        <p:spPr bwMode="auto">
+          <a:xfrm>
+            <a:off x="926123" y="896816"/>
+            <a:ext cx="2444261" cy="861647"/>
+          </a:xfrm>
+          <a:prstGeom prst="rect">
+            <a:avLst/>
+          </a:prstGeom>
+          <a:noFill/>
+          <a:ln>
+            <a:noFill/>
+          </a:ln>
+          <a:extLst>
+            <a:ext uri="{909E8E84-426E-40DD-AFC4-6F175D3DCCD1}">
+              <a14:hiddenFill xmlns:a14="http://schemas.microsoft.com/office/drawing/2010/main">
+                <a:solidFill>
+                  <a:srgbClr val="FFFFFF"/>
+                </a:solidFill>
+              </a14:hiddenFill>
+            </a:ext>
+            <a:ext uri="{91240B29-F687-4F45-9708-019B960494DF}">
+              <a14:hiddenLine xmlns:a14="http://schemas.microsoft.com/office/drawing/2010/main" w="9525">
+                <a:solidFill>
+                  <a:srgbClr val="000000"/>
+                </a:solidFill>
+                <a:miter lim="800000"/>
+                <a:headEnd/>
+                <a:tailEnd/>
+              </a14:hiddenLine>
+            </a:ext>
+          </a:extLst>
+        </p:spPr>
+        <p:txBody>
+          <a:bodyPr/>
+          <a:lstStyle>
+            <a:lvl1pPr>
+              <a:spcBef>
+                <a:spcPct val="20000"/>
+              </a:spcBef>
+              <a:buSzPct val="80000"/>
+              <a:buFont typeface="Arial" panose="020B0604020202020204" pitchFamily="34" charset="0"/>
+              <a:buChar char="•"/>
+              <a:defRPr sz="2000">
+                <a:solidFill>
+                  <a:schemeClr val="bg1"/>
+                </a:solidFill>
+                <a:latin typeface="Arial" panose="020B0604020202020204" pitchFamily="34" charset="0"/>
+                <a:ea typeface="ＭＳ Ｐゴシック" panose="020B0600070205080204" pitchFamily="34" charset="-128"/>
+                <a:cs typeface="Century Gothic" panose="020B0502020202020204" pitchFamily="34" charset="0"/>
+              </a:defRPr>
+            </a:lvl1pPr>
+            <a:lvl2pPr marL="742950" indent="-285750">
+              <a:spcBef>
+                <a:spcPct val="20000"/>
+              </a:spcBef>
+              <a:buSzPct val="80000"/>
+              <a:buFont typeface="Courier New" panose="02070309020205020404" pitchFamily="49" charset="0"/>
+              <a:buChar char="o"/>
+              <a:defRPr>
+                <a:solidFill>
+                  <a:schemeClr val="bg1"/>
+                </a:solidFill>
+                <a:latin typeface="Arial" panose="020B0604020202020204" pitchFamily="34" charset="0"/>
+                <a:ea typeface="Arial" panose="020B0604020202020204" pitchFamily="34" charset="0"/>
+                <a:cs typeface="Century Gothic" panose="020B0502020202020204" pitchFamily="34" charset="0"/>
+              </a:defRPr>
+            </a:lvl2pPr>
+            <a:lvl3pPr marL="1143000" indent="-228600">
+              <a:spcBef>
+                <a:spcPct val="20000"/>
+              </a:spcBef>
+              <a:buFont typeface="Arial" panose="020B0604020202020204" pitchFamily="34" charset="0"/>
+              <a:buChar char="»"/>
+              <a:defRPr sz="1600">
+                <a:solidFill>
+                  <a:schemeClr val="bg1"/>
+                </a:solidFill>
+                <a:latin typeface="Arial" panose="020B0604020202020204" pitchFamily="34" charset="0"/>
+                <a:ea typeface="Arial" panose="020B0604020202020204" pitchFamily="34" charset="0"/>
+                <a:cs typeface="Century Gothic" panose="020B0502020202020204" pitchFamily="34" charset="0"/>
+              </a:defRPr>
+            </a:lvl3pPr>
+            <a:lvl4pPr marL="1600200" indent="-228600">
+              <a:spcBef>
+                <a:spcPct val="20000"/>
+              </a:spcBef>
+              <a:buFont typeface="Arial" panose="020B0604020202020204" pitchFamily="34" charset="0"/>
+              <a:buChar char="–"/>
+              <a:defRPr sz="1400">
+                <a:solidFill>
+                  <a:schemeClr val="bg1"/>
+                </a:solidFill>
+                <a:latin typeface="Arial" panose="020B0604020202020204" pitchFamily="34" charset="0"/>
+                <a:ea typeface="Arial" panose="020B0604020202020204" pitchFamily="34" charset="0"/>
+                <a:cs typeface="Century Gothic" panose="020B0502020202020204" pitchFamily="34" charset="0"/>
+              </a:defRPr>
+            </a:lvl4pPr>
+            <a:lvl5pPr marL="2057400" indent="-228600">
+              <a:spcBef>
+                <a:spcPct val="20000"/>
+              </a:spcBef>
+              <a:buFont typeface="Arial" panose="020B0604020202020204" pitchFamily="34" charset="0"/>
+              <a:buChar char="•"/>
+              <a:defRPr sz="1200">
+                <a:solidFill>
+                  <a:schemeClr val="bg1"/>
+                </a:solidFill>
+                <a:latin typeface="Arial" panose="020B0604020202020204" pitchFamily="34" charset="0"/>
+                <a:ea typeface="Arial" panose="020B0604020202020204" pitchFamily="34" charset="0"/>
+                <a:cs typeface="Century Gothic" panose="020B0502020202020204" pitchFamily="34" charset="0"/>
+              </a:defRPr>
+            </a:lvl5pPr>
+            <a:lvl6pPr marL="2514600" indent="-228600" eaLnBrk="0" fontAlgn="base" hangingPunct="0">
+              <a:spcBef>
+                <a:spcPct val="20000"/>
+              </a:spcBef>
+              <a:spcAft>
+                <a:spcPct val="0"/>
+              </a:spcAft>
+              <a:buFont typeface="Arial" panose="020B0604020202020204" pitchFamily="34" charset="0"/>
+              <a:buChar char="•"/>
+              <a:defRPr sz="1200">
+                <a:solidFill>
+                  <a:schemeClr val="bg1"/>
+                </a:solidFill>
+                <a:latin typeface="Arial" panose="020B0604020202020204" pitchFamily="34" charset="0"/>
+                <a:ea typeface="Arial" panose="020B0604020202020204" pitchFamily="34" charset="0"/>
+                <a:cs typeface="Century Gothic" panose="020B0502020202020204" pitchFamily="34" charset="0"/>
+              </a:defRPr>
+            </a:lvl6pPr>
+            <a:lvl7pPr marL="2971800" indent="-228600" eaLnBrk="0" fontAlgn="base" hangingPunct="0">
+              <a:spcBef>
+                <a:spcPct val="20000"/>
+              </a:spcBef>
+              <a:spcAft>
+                <a:spcPct val="0"/>
+              </a:spcAft>
+              <a:buFont typeface="Arial" panose="020B0604020202020204" pitchFamily="34" charset="0"/>
+              <a:buChar char="•"/>
+              <a:defRPr sz="1200">
+                <a:solidFill>
+                  <a:schemeClr val="bg1"/>
+                </a:solidFill>
+                <a:latin typeface="Arial" panose="020B0604020202020204" pitchFamily="34" charset="0"/>
+                <a:ea typeface="Arial" panose="020B0604020202020204" pitchFamily="34" charset="0"/>
+                <a:cs typeface="Century Gothic" panose="020B0502020202020204" pitchFamily="34" charset="0"/>
+              </a:defRPr>
+            </a:lvl7pPr>
+            <a:lvl8pPr marL="3429000" indent="-228600" eaLnBrk="0" fontAlgn="base" hangingPunct="0">
+              <a:spcBef>
+                <a:spcPct val="20000"/>
+              </a:spcBef>
+              <a:spcAft>
+                <a:spcPct val="0"/>
+              </a:spcAft>
+              <a:buFont typeface="Arial" panose="020B0604020202020204" pitchFamily="34" charset="0"/>
+              <a:buChar char="•"/>
+              <a:defRPr sz="1200">
+                <a:solidFill>
+                  <a:schemeClr val="bg1"/>
+                </a:solidFill>
+                <a:latin typeface="Arial" panose="020B0604020202020204" pitchFamily="34" charset="0"/>
+                <a:ea typeface="Arial" panose="020B0604020202020204" pitchFamily="34" charset="0"/>
+                <a:cs typeface="Century Gothic" panose="020B0502020202020204" pitchFamily="34" charset="0"/>
+              </a:defRPr>
+            </a:lvl8pPr>
+            <a:lvl9pPr marL="3886200" indent="-228600" eaLnBrk="0" fontAlgn="base" hangingPunct="0">
+              <a:spcBef>
+                <a:spcPct val="20000"/>
+              </a:spcBef>
+              <a:spcAft>
+                <a:spcPct val="0"/>
+              </a:spcAft>
+              <a:buFont typeface="Arial" panose="020B0604020202020204" pitchFamily="34" charset="0"/>
+              <a:buChar char="•"/>
+              <a:defRPr sz="1200">
+                <a:solidFill>
+                  <a:schemeClr val="bg1"/>
+                </a:solidFill>
+                <a:latin typeface="Arial" panose="020B0604020202020204" pitchFamily="34" charset="0"/>
+                <a:ea typeface="Arial" panose="020B0604020202020204" pitchFamily="34" charset="0"/>
+                <a:cs typeface="Century Gothic" panose="020B0502020202020204" pitchFamily="34" charset="0"/>
+              </a:defRPr>
+            </a:lvl9pPr>
+          </a:lstStyle>
+          <a:p>
+            <a:pPr>
+              <a:spcBef>
+                <a:spcPct val="0"/>
+              </a:spcBef>
+              <a:buSzTx/>
+              <a:buNone/>
+            </a:pPr>
+            <a:r>
+              <a:rPr lang="en-GB" altLang="en-US" sz="1000" dirty="0">
+                <a:solidFill>
+                  <a:srgbClr val="0000FF"/>
+                </a:solidFill>
+                <a:latin typeface="Cambria Math" panose="02040503050406030204" pitchFamily="18" charset="0"/>
+                <a:ea typeface="Cambria Math" panose="02040503050406030204" pitchFamily="18" charset="0"/>
+                <a:cs typeface="Tahoma" panose="020B0604030504040204" pitchFamily="34" charset="0"/>
+              </a:rPr>
+              <a:t>let</a:t>
+            </a:r>
+          </a:p>
+          <a:p>
+            <a:pPr>
+              <a:spcBef>
+                <a:spcPct val="0"/>
+              </a:spcBef>
+              <a:buSzTx/>
+              <a:buNone/>
+            </a:pPr>
+            <a:r>
+              <a:rPr lang="en-GB" altLang="en-US" sz="1000" dirty="0">
+                <a:solidFill>
+                  <a:schemeClr val="tx1"/>
+                </a:solidFill>
+                <a:latin typeface="Cambria Math" panose="02040503050406030204" pitchFamily="18" charset="0"/>
+                <a:ea typeface="Cambria Math" panose="02040503050406030204" pitchFamily="18" charset="0"/>
+                <a:cs typeface="Tahoma" panose="020B0604030504040204" pitchFamily="34" charset="0"/>
+              </a:rPr>
+              <a:t>    var_1 = expression,</a:t>
+            </a:r>
+          </a:p>
+          <a:p>
+            <a:pPr>
+              <a:spcBef>
+                <a:spcPct val="0"/>
+              </a:spcBef>
+              <a:buSzTx/>
+              <a:buNone/>
+            </a:pPr>
+            <a:r>
+              <a:rPr lang="en-GB" altLang="en-US" sz="1000" dirty="0">
+                <a:solidFill>
+                  <a:schemeClr val="tx1"/>
+                </a:solidFill>
+                <a:latin typeface="Cambria Math" panose="02040503050406030204" pitchFamily="18" charset="0"/>
+                <a:ea typeface="Cambria Math" panose="02040503050406030204" pitchFamily="18" charset="0"/>
+                <a:cs typeface="Tahoma" panose="020B0604030504040204" pitchFamily="34" charset="0"/>
+              </a:rPr>
+              <a:t>    var_2 = expression</a:t>
+            </a:r>
+          </a:p>
+          <a:p>
+            <a:pPr>
+              <a:spcBef>
+                <a:spcPct val="0"/>
+              </a:spcBef>
+              <a:buSzTx/>
+              <a:buNone/>
+            </a:pPr>
+            <a:r>
+              <a:rPr lang="en-GB" altLang="en-US" sz="1000" dirty="0">
+                <a:solidFill>
+                  <a:srgbClr val="0000FF"/>
+                </a:solidFill>
+                <a:latin typeface="Cambria Math" panose="02040503050406030204" pitchFamily="18" charset="0"/>
+                <a:ea typeface="Cambria Math" panose="02040503050406030204" pitchFamily="18" charset="0"/>
+                <a:cs typeface="Tahoma" panose="020B0604030504040204" pitchFamily="34" charset="0"/>
+              </a:rPr>
+              <a:t>in</a:t>
+            </a:r>
+          </a:p>
+          <a:p>
+            <a:pPr>
+              <a:spcBef>
+                <a:spcPct val="0"/>
+              </a:spcBef>
+              <a:buSzTx/>
+              <a:buNone/>
+            </a:pPr>
+            <a:r>
+              <a:rPr lang="en-GB" altLang="en-US" sz="1000" dirty="0">
+                <a:solidFill>
+                  <a:schemeClr val="tx1"/>
+                </a:solidFill>
+                <a:latin typeface="Cambria Math" panose="02040503050406030204" pitchFamily="18" charset="0"/>
+                <a:ea typeface="Cambria Math" panose="02040503050406030204" pitchFamily="18" charset="0"/>
+                <a:cs typeface="Tahoma" panose="020B0604030504040204" pitchFamily="34" charset="0"/>
+              </a:rPr>
+              <a:t>    output_variable_or_expression</a:t>
+            </a:r>
+          </a:p>
+          <a:p>
+            <a:pPr>
+              <a:spcBef>
+                <a:spcPct val="0"/>
+              </a:spcBef>
+              <a:buSzTx/>
+              <a:buNone/>
+            </a:pPr>
+            <a:endParaRPr lang="en-GB" altLang="en-US" sz="1000" dirty="0">
+              <a:solidFill>
+                <a:schemeClr val="tx1"/>
+              </a:solidFill>
+              <a:latin typeface="Cambria Math" panose="02040503050406030204" pitchFamily="18" charset="0"/>
+              <a:ea typeface="Cambria Math" panose="02040503050406030204" pitchFamily="18" charset="0"/>
+              <a:cs typeface="Tahoma" panose="020B0604030504040204" pitchFamily="34" charset="0"/>
+            </a:endParaRPr>
+          </a:p>
+        </p:txBody>
+      </p:sp>
+      <p:sp>
+        <p:nvSpPr>
+          <p:cNvPr id="4" name="Title 3">
+            <a:extLst>
+              <a:ext uri="{FF2B5EF4-FFF2-40B4-BE49-F238E27FC236}">
+                <a16:creationId xmlns:a16="http://schemas.microsoft.com/office/drawing/2014/main" id="{8DC1075D-1472-D163-0927-5D21EFC769F9}"/>
+              </a:ext>
+            </a:extLst>
+          </p:cNvPr>
+          <p:cNvSpPr txBox="1">
+            <a:spLocks/>
+          </p:cNvSpPr>
+          <p:nvPr/>
+        </p:nvSpPr>
+        <p:spPr bwMode="auto">
+          <a:xfrm>
+            <a:off x="477887" y="2146700"/>
+            <a:ext cx="4999892" cy="1735015"/>
+          </a:xfrm>
+          <a:prstGeom prst="rect">
+            <a:avLst/>
+          </a:prstGeom>
+          <a:noFill/>
+          <a:ln>
+            <a:noFill/>
+          </a:ln>
+          <a:extLst>
+            <a:ext uri="{909E8E84-426E-40DD-AFC4-6F175D3DCCD1}">
+              <a14:hiddenFill xmlns:a14="http://schemas.microsoft.com/office/drawing/2010/main">
+                <a:solidFill>
+                  <a:srgbClr val="FFFFFF"/>
+                </a:solidFill>
+              </a14:hiddenFill>
+            </a:ext>
+            <a:ext uri="{91240B29-F687-4F45-9708-019B960494DF}">
+              <a14:hiddenLine xmlns:a14="http://schemas.microsoft.com/office/drawing/2010/main" w="9525">
+                <a:solidFill>
+                  <a:srgbClr val="000000"/>
+                </a:solidFill>
+                <a:miter lim="800000"/>
+                <a:headEnd/>
+                <a:tailEnd/>
+              </a14:hiddenLine>
+            </a:ext>
+          </a:extLst>
+        </p:spPr>
+        <p:txBody>
+          <a:bodyPr/>
+          <a:lstStyle>
+            <a:lvl1pPr>
+              <a:spcBef>
+                <a:spcPct val="20000"/>
+              </a:spcBef>
+              <a:buSzPct val="80000"/>
+              <a:buFont typeface="Arial" panose="020B0604020202020204" pitchFamily="34" charset="0"/>
+              <a:buChar char="•"/>
+              <a:defRPr sz="2000">
+                <a:solidFill>
+                  <a:schemeClr val="bg1"/>
+                </a:solidFill>
+                <a:latin typeface="Arial" panose="020B0604020202020204" pitchFamily="34" charset="0"/>
+                <a:ea typeface="ＭＳ Ｐゴシック" panose="020B0600070205080204" pitchFamily="34" charset="-128"/>
+                <a:cs typeface="Century Gothic" panose="020B0502020202020204" pitchFamily="34" charset="0"/>
+              </a:defRPr>
+            </a:lvl1pPr>
+            <a:lvl2pPr marL="742950" indent="-285750">
+              <a:spcBef>
+                <a:spcPct val="20000"/>
+              </a:spcBef>
+              <a:buSzPct val="80000"/>
+              <a:buFont typeface="Courier New" panose="02070309020205020404" pitchFamily="49" charset="0"/>
+              <a:buChar char="o"/>
+              <a:defRPr>
+                <a:solidFill>
+                  <a:schemeClr val="bg1"/>
+                </a:solidFill>
+                <a:latin typeface="Arial" panose="020B0604020202020204" pitchFamily="34" charset="0"/>
+                <a:ea typeface="Arial" panose="020B0604020202020204" pitchFamily="34" charset="0"/>
+                <a:cs typeface="Century Gothic" panose="020B0502020202020204" pitchFamily="34" charset="0"/>
+              </a:defRPr>
+            </a:lvl2pPr>
+            <a:lvl3pPr marL="1143000" indent="-228600">
+              <a:spcBef>
+                <a:spcPct val="20000"/>
+              </a:spcBef>
+              <a:buFont typeface="Arial" panose="020B0604020202020204" pitchFamily="34" charset="0"/>
+              <a:buChar char="»"/>
+              <a:defRPr sz="1600">
+                <a:solidFill>
+                  <a:schemeClr val="bg1"/>
+                </a:solidFill>
+                <a:latin typeface="Arial" panose="020B0604020202020204" pitchFamily="34" charset="0"/>
+                <a:ea typeface="Arial" panose="020B0604020202020204" pitchFamily="34" charset="0"/>
+                <a:cs typeface="Century Gothic" panose="020B0502020202020204" pitchFamily="34" charset="0"/>
+              </a:defRPr>
+            </a:lvl3pPr>
+            <a:lvl4pPr marL="1600200" indent="-228600">
+              <a:spcBef>
+                <a:spcPct val="20000"/>
+              </a:spcBef>
+              <a:buFont typeface="Arial" panose="020B0604020202020204" pitchFamily="34" charset="0"/>
+              <a:buChar char="–"/>
+              <a:defRPr sz="1400">
+                <a:solidFill>
+                  <a:schemeClr val="bg1"/>
+                </a:solidFill>
+                <a:latin typeface="Arial" panose="020B0604020202020204" pitchFamily="34" charset="0"/>
+                <a:ea typeface="Arial" panose="020B0604020202020204" pitchFamily="34" charset="0"/>
+                <a:cs typeface="Century Gothic" panose="020B0502020202020204" pitchFamily="34" charset="0"/>
+              </a:defRPr>
+            </a:lvl4pPr>
+            <a:lvl5pPr marL="2057400" indent="-228600">
+              <a:spcBef>
+                <a:spcPct val="20000"/>
+              </a:spcBef>
+              <a:buFont typeface="Arial" panose="020B0604020202020204" pitchFamily="34" charset="0"/>
+              <a:buChar char="•"/>
+              <a:defRPr sz="1200">
+                <a:solidFill>
+                  <a:schemeClr val="bg1"/>
+                </a:solidFill>
+                <a:latin typeface="Arial" panose="020B0604020202020204" pitchFamily="34" charset="0"/>
+                <a:ea typeface="Arial" panose="020B0604020202020204" pitchFamily="34" charset="0"/>
+                <a:cs typeface="Century Gothic" panose="020B0502020202020204" pitchFamily="34" charset="0"/>
+              </a:defRPr>
+            </a:lvl5pPr>
+            <a:lvl6pPr marL="2514600" indent="-228600" eaLnBrk="0" fontAlgn="base" hangingPunct="0">
+              <a:spcBef>
+                <a:spcPct val="20000"/>
+              </a:spcBef>
+              <a:spcAft>
+                <a:spcPct val="0"/>
+              </a:spcAft>
+              <a:buFont typeface="Arial" panose="020B0604020202020204" pitchFamily="34" charset="0"/>
+              <a:buChar char="•"/>
+              <a:defRPr sz="1200">
+                <a:solidFill>
+                  <a:schemeClr val="bg1"/>
+                </a:solidFill>
+                <a:latin typeface="Arial" panose="020B0604020202020204" pitchFamily="34" charset="0"/>
+                <a:ea typeface="Arial" panose="020B0604020202020204" pitchFamily="34" charset="0"/>
+                <a:cs typeface="Century Gothic" panose="020B0502020202020204" pitchFamily="34" charset="0"/>
+              </a:defRPr>
+            </a:lvl6pPr>
+            <a:lvl7pPr marL="2971800" indent="-228600" eaLnBrk="0" fontAlgn="base" hangingPunct="0">
+              <a:spcBef>
+                <a:spcPct val="20000"/>
+              </a:spcBef>
+              <a:spcAft>
+                <a:spcPct val="0"/>
+              </a:spcAft>
+              <a:buFont typeface="Arial" panose="020B0604020202020204" pitchFamily="34" charset="0"/>
+              <a:buChar char="•"/>
+              <a:defRPr sz="1200">
+                <a:solidFill>
+                  <a:schemeClr val="bg1"/>
+                </a:solidFill>
+                <a:latin typeface="Arial" panose="020B0604020202020204" pitchFamily="34" charset="0"/>
+                <a:ea typeface="Arial" panose="020B0604020202020204" pitchFamily="34" charset="0"/>
+                <a:cs typeface="Century Gothic" panose="020B0502020202020204" pitchFamily="34" charset="0"/>
+              </a:defRPr>
+            </a:lvl7pPr>
+            <a:lvl8pPr marL="3429000" indent="-228600" eaLnBrk="0" fontAlgn="base" hangingPunct="0">
+              <a:spcBef>
+                <a:spcPct val="20000"/>
+              </a:spcBef>
+              <a:spcAft>
+                <a:spcPct val="0"/>
+              </a:spcAft>
+              <a:buFont typeface="Arial" panose="020B0604020202020204" pitchFamily="34" charset="0"/>
+              <a:buChar char="•"/>
+              <a:defRPr sz="1200">
+                <a:solidFill>
+                  <a:schemeClr val="bg1"/>
+                </a:solidFill>
+                <a:latin typeface="Arial" panose="020B0604020202020204" pitchFamily="34" charset="0"/>
+                <a:ea typeface="Arial" panose="020B0604020202020204" pitchFamily="34" charset="0"/>
+                <a:cs typeface="Century Gothic" panose="020B0502020202020204" pitchFamily="34" charset="0"/>
+              </a:defRPr>
+            </a:lvl8pPr>
+            <a:lvl9pPr marL="3886200" indent="-228600" eaLnBrk="0" fontAlgn="base" hangingPunct="0">
+              <a:spcBef>
+                <a:spcPct val="20000"/>
+              </a:spcBef>
+              <a:spcAft>
+                <a:spcPct val="0"/>
+              </a:spcAft>
+              <a:buFont typeface="Arial" panose="020B0604020202020204" pitchFamily="34" charset="0"/>
+              <a:buChar char="•"/>
+              <a:defRPr sz="1200">
+                <a:solidFill>
+                  <a:schemeClr val="bg1"/>
+                </a:solidFill>
+                <a:latin typeface="Arial" panose="020B0604020202020204" pitchFamily="34" charset="0"/>
+                <a:ea typeface="Arial" panose="020B0604020202020204" pitchFamily="34" charset="0"/>
+                <a:cs typeface="Century Gothic" panose="020B0502020202020204" pitchFamily="34" charset="0"/>
+              </a:defRPr>
+            </a:lvl9pPr>
+          </a:lstStyle>
+          <a:p>
+            <a:pPr marL="171450" indent="-171450">
+              <a:spcBef>
+                <a:spcPct val="0"/>
+              </a:spcBef>
+              <a:buSzTx/>
+            </a:pPr>
+            <a:r>
+              <a:rPr lang="en-GB" altLang="en-US" sz="1500" b="1" dirty="0">
+                <a:solidFill>
+                  <a:srgbClr val="6666FF"/>
+                </a:solidFill>
+                <a:latin typeface="Cambria Math" panose="02040503050406030204" pitchFamily="18" charset="0"/>
+                <a:ea typeface="Cambria Math" panose="02040503050406030204" pitchFamily="18" charset="0"/>
+                <a:cs typeface="Tahoma" panose="020B0604030504040204" pitchFamily="34" charset="0"/>
+              </a:rPr>
+              <a:t>let</a:t>
+            </a:r>
+            <a:r>
+              <a:rPr lang="en-GB" altLang="en-US" sz="1500" dirty="0">
+                <a:solidFill>
+                  <a:schemeClr val="tx1"/>
+                </a:solidFill>
+                <a:latin typeface="Cambria Math" panose="02040503050406030204" pitchFamily="18" charset="0"/>
+                <a:ea typeface="Cambria Math" panose="02040503050406030204" pitchFamily="18" charset="0"/>
+                <a:cs typeface="Tahoma" panose="020B0604030504040204" pitchFamily="34" charset="0"/>
+              </a:rPr>
+              <a:t> →</a:t>
+            </a:r>
+            <a:r>
+              <a:rPr lang="en-GB" altLang="en-US" sz="1500" dirty="0">
+                <a:solidFill>
+                  <a:schemeClr val="tx1">
+                    <a:lumMod val="50000"/>
+                    <a:lumOff val="50000"/>
+                  </a:schemeClr>
+                </a:solidFill>
+                <a:latin typeface="Cambria Math" panose="02040503050406030204" pitchFamily="18" charset="0"/>
+                <a:ea typeface="Cambria Math" panose="02040503050406030204" pitchFamily="18" charset="0"/>
+                <a:cs typeface="Tahoma" panose="020B0604030504040204" pitchFamily="34" charset="0"/>
+              </a:rPr>
+              <a:t> </a:t>
+            </a:r>
+            <a:r>
+              <a:rPr lang="en-GB" altLang="en-US" sz="1300" i="1" dirty="0">
+                <a:solidFill>
+                  <a:schemeClr val="tx1"/>
+                </a:solidFill>
+                <a:latin typeface="Cambria" panose="02040503050406030204" pitchFamily="18" charset="0"/>
+                <a:ea typeface="Cambria" panose="02040503050406030204" pitchFamily="18" charset="0"/>
+                <a:cs typeface="Tahoma" panose="020B0604030504040204" pitchFamily="34" charset="0"/>
+              </a:rPr>
+              <a:t>Starts the block.</a:t>
+            </a:r>
+          </a:p>
+          <a:p>
+            <a:pPr marL="171450" indent="-171450">
+              <a:spcBef>
+                <a:spcPct val="0"/>
+              </a:spcBef>
+              <a:buSzTx/>
+            </a:pPr>
+            <a:endParaRPr lang="en-GB" altLang="en-US" sz="1300" i="1" dirty="0">
+              <a:solidFill>
+                <a:schemeClr val="tx1"/>
+              </a:solidFill>
+              <a:latin typeface="Cambria" panose="02040503050406030204" pitchFamily="18" charset="0"/>
+              <a:ea typeface="Cambria" panose="02040503050406030204" pitchFamily="18" charset="0"/>
+              <a:cs typeface="Tahoma" panose="020B0604030504040204" pitchFamily="34" charset="0"/>
+            </a:endParaRPr>
+          </a:p>
+          <a:p>
+            <a:pPr lvl="1" indent="0">
+              <a:spcBef>
+                <a:spcPct val="0"/>
+              </a:spcBef>
+              <a:buSzTx/>
+              <a:buNone/>
+            </a:pPr>
+            <a:endParaRPr lang="en-GB" altLang="en-US" sz="1100" dirty="0">
+              <a:solidFill>
+                <a:schemeClr val="tx1"/>
+              </a:solidFill>
+              <a:latin typeface="Cambria Math" panose="02040503050406030204" pitchFamily="18" charset="0"/>
+              <a:ea typeface="Cambria Math" panose="02040503050406030204" pitchFamily="18" charset="0"/>
+              <a:cs typeface="Tahoma" panose="020B0604030504040204" pitchFamily="34" charset="0"/>
+            </a:endParaRPr>
+          </a:p>
+          <a:p>
+            <a:pPr lvl="1" indent="0">
+              <a:spcBef>
+                <a:spcPct val="0"/>
+              </a:spcBef>
+              <a:buSzTx/>
+              <a:buNone/>
+            </a:pPr>
+            <a:endParaRPr lang="en-GB" altLang="en-US" sz="1100" dirty="0">
+              <a:solidFill>
+                <a:schemeClr val="tx1"/>
+              </a:solidFill>
+              <a:latin typeface="Cambria Math" panose="02040503050406030204" pitchFamily="18" charset="0"/>
+              <a:ea typeface="Cambria Math" panose="02040503050406030204" pitchFamily="18" charset="0"/>
+              <a:cs typeface="Tahoma" panose="020B0604030504040204" pitchFamily="34" charset="0"/>
+            </a:endParaRPr>
+          </a:p>
+          <a:p>
+            <a:pPr lvl="1" indent="0">
+              <a:spcBef>
+                <a:spcPct val="0"/>
+              </a:spcBef>
+              <a:buSzTx/>
+              <a:buNone/>
+            </a:pPr>
+            <a:endParaRPr lang="en-GB" altLang="en-US" sz="1100" dirty="0">
+              <a:solidFill>
+                <a:schemeClr val="tx1"/>
+              </a:solidFill>
+              <a:latin typeface="Cambria Math" panose="02040503050406030204" pitchFamily="18" charset="0"/>
+              <a:ea typeface="Cambria Math" panose="02040503050406030204" pitchFamily="18" charset="0"/>
+              <a:cs typeface="Tahoma" panose="020B0604030504040204" pitchFamily="34" charset="0"/>
+            </a:endParaRPr>
+          </a:p>
+          <a:p>
+            <a:pPr marL="171450" indent="-171450">
+              <a:spcBef>
+                <a:spcPct val="0"/>
+              </a:spcBef>
+              <a:buSzTx/>
+            </a:pPr>
+            <a:r>
+              <a:rPr lang="en-GB" altLang="en-US" sz="1500" b="1" dirty="0">
+                <a:solidFill>
+                  <a:srgbClr val="6666FF"/>
+                </a:solidFill>
+                <a:latin typeface="Cambria Math" panose="02040503050406030204" pitchFamily="18" charset="0"/>
+                <a:ea typeface="Cambria Math" panose="02040503050406030204" pitchFamily="18" charset="0"/>
+                <a:cs typeface="Tahoma" panose="020B0604030504040204" pitchFamily="34" charset="0"/>
+              </a:rPr>
+              <a:t>in </a:t>
+            </a:r>
+            <a:r>
+              <a:rPr lang="en-GB" altLang="en-US" sz="1300" i="1" dirty="0">
+                <a:solidFill>
+                  <a:schemeClr val="tx1"/>
+                </a:solidFill>
+                <a:latin typeface="Cambria Math" panose="02040503050406030204" pitchFamily="18" charset="0"/>
+                <a:ea typeface="Cambria Math" panose="02040503050406030204" pitchFamily="18" charset="0"/>
+                <a:cs typeface="Tahoma" panose="020B0604030504040204" pitchFamily="34" charset="0"/>
+              </a:rPr>
+              <a:t>→  </a:t>
+            </a:r>
+            <a:r>
+              <a:rPr lang="en-GB" altLang="en-US" sz="1300" i="1" dirty="0">
+                <a:solidFill>
+                  <a:schemeClr val="tx1"/>
+                </a:solidFill>
+                <a:latin typeface="Cambria" panose="02040503050406030204" pitchFamily="18" charset="0"/>
+                <a:ea typeface="Cambria" panose="02040503050406030204" pitchFamily="18" charset="0"/>
+                <a:cs typeface="Tahoma" panose="020B0604030504040204" pitchFamily="34" charset="0"/>
+              </a:rPr>
+              <a:t>Ends the block.</a:t>
+            </a:r>
+            <a:r>
+              <a:rPr lang="en-GB" altLang="en-US" sz="1500" dirty="0">
+                <a:solidFill>
+                  <a:schemeClr val="tx1"/>
+                </a:solidFill>
+                <a:latin typeface="Cambria" panose="02040503050406030204" pitchFamily="18" charset="0"/>
+                <a:ea typeface="Cambria" panose="02040503050406030204" pitchFamily="18" charset="0"/>
+                <a:cs typeface="Tahoma" panose="020B0604030504040204" pitchFamily="34" charset="0"/>
+              </a:rPr>
+              <a:t> </a:t>
+            </a:r>
+          </a:p>
+        </p:txBody>
+      </p:sp>
+      <p:sp>
+        <p:nvSpPr>
+          <p:cNvPr id="5" name="Title 3">
+            <a:extLst>
+              <a:ext uri="{FF2B5EF4-FFF2-40B4-BE49-F238E27FC236}">
+                <a16:creationId xmlns:a16="http://schemas.microsoft.com/office/drawing/2014/main" id="{864F813D-216F-CA25-C29F-B5648CCE8800}"/>
+              </a:ext>
+            </a:extLst>
+          </p:cNvPr>
+          <p:cNvSpPr txBox="1">
+            <a:spLocks/>
+          </p:cNvSpPr>
+          <p:nvPr/>
+        </p:nvSpPr>
+        <p:spPr bwMode="auto">
+          <a:xfrm>
+            <a:off x="331694" y="2468395"/>
+            <a:ext cx="4671647" cy="463063"/>
+          </a:xfrm>
+          <a:prstGeom prst="rect">
+            <a:avLst/>
+          </a:prstGeom>
+          <a:noFill/>
+          <a:ln>
+            <a:noFill/>
+          </a:ln>
+          <a:extLst>
+            <a:ext uri="{909E8E84-426E-40DD-AFC4-6F175D3DCCD1}">
+              <a14:hiddenFill xmlns:a14="http://schemas.microsoft.com/office/drawing/2010/main">
+                <a:solidFill>
+                  <a:srgbClr val="FFFFFF"/>
+                </a:solidFill>
+              </a14:hiddenFill>
+            </a:ext>
+            <a:ext uri="{91240B29-F687-4F45-9708-019B960494DF}">
+              <a14:hiddenLine xmlns:a14="http://schemas.microsoft.com/office/drawing/2010/main" w="9525">
+                <a:solidFill>
+                  <a:srgbClr val="000000"/>
+                </a:solidFill>
+                <a:miter lim="800000"/>
+                <a:headEnd/>
+                <a:tailEnd/>
+              </a14:hiddenLine>
+            </a:ext>
+          </a:extLst>
+        </p:spPr>
+        <p:txBody>
+          <a:bodyPr/>
+          <a:lstStyle>
+            <a:lvl1pPr>
+              <a:spcBef>
+                <a:spcPct val="20000"/>
+              </a:spcBef>
+              <a:buSzPct val="80000"/>
+              <a:buFont typeface="Arial" panose="020B0604020202020204" pitchFamily="34" charset="0"/>
+              <a:buChar char="•"/>
+              <a:defRPr sz="2000">
+                <a:solidFill>
+                  <a:schemeClr val="bg1"/>
+                </a:solidFill>
+                <a:latin typeface="Arial" panose="020B0604020202020204" pitchFamily="34" charset="0"/>
+                <a:ea typeface="ＭＳ Ｐゴシック" panose="020B0600070205080204" pitchFamily="34" charset="-128"/>
+                <a:cs typeface="Century Gothic" panose="020B0502020202020204" pitchFamily="34" charset="0"/>
+              </a:defRPr>
+            </a:lvl1pPr>
+            <a:lvl2pPr marL="742950" indent="-285750">
+              <a:spcBef>
+                <a:spcPct val="20000"/>
+              </a:spcBef>
+              <a:buSzPct val="80000"/>
+              <a:buFont typeface="Courier New" panose="02070309020205020404" pitchFamily="49" charset="0"/>
+              <a:buChar char="o"/>
+              <a:defRPr>
+                <a:solidFill>
+                  <a:schemeClr val="bg1"/>
+                </a:solidFill>
+                <a:latin typeface="Arial" panose="020B0604020202020204" pitchFamily="34" charset="0"/>
+                <a:ea typeface="Arial" panose="020B0604020202020204" pitchFamily="34" charset="0"/>
+                <a:cs typeface="Century Gothic" panose="020B0502020202020204" pitchFamily="34" charset="0"/>
+              </a:defRPr>
+            </a:lvl2pPr>
+            <a:lvl3pPr marL="1143000" indent="-228600">
+              <a:spcBef>
+                <a:spcPct val="20000"/>
+              </a:spcBef>
+              <a:buFont typeface="Arial" panose="020B0604020202020204" pitchFamily="34" charset="0"/>
+              <a:buChar char="»"/>
+              <a:defRPr sz="1600">
+                <a:solidFill>
+                  <a:schemeClr val="bg1"/>
+                </a:solidFill>
+                <a:latin typeface="Arial" panose="020B0604020202020204" pitchFamily="34" charset="0"/>
+                <a:ea typeface="Arial" panose="020B0604020202020204" pitchFamily="34" charset="0"/>
+                <a:cs typeface="Century Gothic" panose="020B0502020202020204" pitchFamily="34" charset="0"/>
+              </a:defRPr>
+            </a:lvl3pPr>
+            <a:lvl4pPr marL="1600200" indent="-228600">
+              <a:spcBef>
+                <a:spcPct val="20000"/>
+              </a:spcBef>
+              <a:buFont typeface="Arial" panose="020B0604020202020204" pitchFamily="34" charset="0"/>
+              <a:buChar char="–"/>
+              <a:defRPr sz="1400">
+                <a:solidFill>
+                  <a:schemeClr val="bg1"/>
+                </a:solidFill>
+                <a:latin typeface="Arial" panose="020B0604020202020204" pitchFamily="34" charset="0"/>
+                <a:ea typeface="Arial" panose="020B0604020202020204" pitchFamily="34" charset="0"/>
+                <a:cs typeface="Century Gothic" panose="020B0502020202020204" pitchFamily="34" charset="0"/>
+              </a:defRPr>
+            </a:lvl4pPr>
+            <a:lvl5pPr marL="2057400" indent="-228600">
+              <a:spcBef>
+                <a:spcPct val="20000"/>
+              </a:spcBef>
+              <a:buFont typeface="Arial" panose="020B0604020202020204" pitchFamily="34" charset="0"/>
+              <a:buChar char="•"/>
+              <a:defRPr sz="1200">
+                <a:solidFill>
+                  <a:schemeClr val="bg1"/>
+                </a:solidFill>
+                <a:latin typeface="Arial" panose="020B0604020202020204" pitchFamily="34" charset="0"/>
+                <a:ea typeface="Arial" panose="020B0604020202020204" pitchFamily="34" charset="0"/>
+                <a:cs typeface="Century Gothic" panose="020B0502020202020204" pitchFamily="34" charset="0"/>
+              </a:defRPr>
+            </a:lvl5pPr>
+            <a:lvl6pPr marL="2514600" indent="-228600" eaLnBrk="0" fontAlgn="base" hangingPunct="0">
+              <a:spcBef>
+                <a:spcPct val="20000"/>
+              </a:spcBef>
+              <a:spcAft>
+                <a:spcPct val="0"/>
+              </a:spcAft>
+              <a:buFont typeface="Arial" panose="020B0604020202020204" pitchFamily="34" charset="0"/>
+              <a:buChar char="•"/>
+              <a:defRPr sz="1200">
+                <a:solidFill>
+                  <a:schemeClr val="bg1"/>
+                </a:solidFill>
+                <a:latin typeface="Arial" panose="020B0604020202020204" pitchFamily="34" charset="0"/>
+                <a:ea typeface="Arial" panose="020B0604020202020204" pitchFamily="34" charset="0"/>
+                <a:cs typeface="Century Gothic" panose="020B0502020202020204" pitchFamily="34" charset="0"/>
+              </a:defRPr>
+            </a:lvl6pPr>
+            <a:lvl7pPr marL="2971800" indent="-228600" eaLnBrk="0" fontAlgn="base" hangingPunct="0">
+              <a:spcBef>
+                <a:spcPct val="20000"/>
+              </a:spcBef>
+              <a:spcAft>
+                <a:spcPct val="0"/>
+              </a:spcAft>
+              <a:buFont typeface="Arial" panose="020B0604020202020204" pitchFamily="34" charset="0"/>
+              <a:buChar char="•"/>
+              <a:defRPr sz="1200">
+                <a:solidFill>
+                  <a:schemeClr val="bg1"/>
+                </a:solidFill>
+                <a:latin typeface="Arial" panose="020B0604020202020204" pitchFamily="34" charset="0"/>
+                <a:ea typeface="Arial" panose="020B0604020202020204" pitchFamily="34" charset="0"/>
+                <a:cs typeface="Century Gothic" panose="020B0502020202020204" pitchFamily="34" charset="0"/>
+              </a:defRPr>
+            </a:lvl7pPr>
+            <a:lvl8pPr marL="3429000" indent="-228600" eaLnBrk="0" fontAlgn="base" hangingPunct="0">
+              <a:spcBef>
+                <a:spcPct val="20000"/>
+              </a:spcBef>
+              <a:spcAft>
+                <a:spcPct val="0"/>
+              </a:spcAft>
+              <a:buFont typeface="Arial" panose="020B0604020202020204" pitchFamily="34" charset="0"/>
+              <a:buChar char="•"/>
+              <a:defRPr sz="1200">
+                <a:solidFill>
+                  <a:schemeClr val="bg1"/>
+                </a:solidFill>
+                <a:latin typeface="Arial" panose="020B0604020202020204" pitchFamily="34" charset="0"/>
+                <a:ea typeface="Arial" panose="020B0604020202020204" pitchFamily="34" charset="0"/>
+                <a:cs typeface="Century Gothic" panose="020B0502020202020204" pitchFamily="34" charset="0"/>
+              </a:defRPr>
+            </a:lvl8pPr>
+            <a:lvl9pPr marL="3886200" indent="-228600" eaLnBrk="0" fontAlgn="base" hangingPunct="0">
+              <a:spcBef>
+                <a:spcPct val="20000"/>
+              </a:spcBef>
+              <a:spcAft>
+                <a:spcPct val="0"/>
+              </a:spcAft>
+              <a:buFont typeface="Arial" panose="020B0604020202020204" pitchFamily="34" charset="0"/>
+              <a:buChar char="•"/>
+              <a:defRPr sz="1200">
+                <a:solidFill>
+                  <a:schemeClr val="bg1"/>
+                </a:solidFill>
+                <a:latin typeface="Arial" panose="020B0604020202020204" pitchFamily="34" charset="0"/>
+                <a:ea typeface="Arial" panose="020B0604020202020204" pitchFamily="34" charset="0"/>
+                <a:cs typeface="Century Gothic" panose="020B0502020202020204" pitchFamily="34" charset="0"/>
+              </a:defRPr>
+            </a:lvl9pPr>
+          </a:lstStyle>
+          <a:p>
+            <a:pPr marL="914400" lvl="1" indent="-171450">
+              <a:spcBef>
+                <a:spcPct val="0"/>
+              </a:spcBef>
+              <a:buSzTx/>
+            </a:pPr>
+            <a:r>
+              <a:rPr lang="en-GB" altLang="en-US" sz="1100" dirty="0">
+                <a:solidFill>
+                  <a:schemeClr val="tx1"/>
+                </a:solidFill>
+                <a:latin typeface="Cambria Math" panose="02040503050406030204" pitchFamily="18" charset="0"/>
+                <a:ea typeface="Cambria Math" panose="02040503050406030204" pitchFamily="18" charset="0"/>
+                <a:cs typeface="Tahoma" panose="020B0604030504040204" pitchFamily="34" charset="0"/>
+              </a:rPr>
+              <a:t>Think of it as defining all your </a:t>
+            </a:r>
+            <a:r>
+              <a:rPr lang="en-GB" altLang="en-US" sz="1100" b="1" dirty="0">
+                <a:solidFill>
+                  <a:schemeClr val="tx1"/>
+                </a:solidFill>
+                <a:latin typeface="Cambria Math" panose="02040503050406030204" pitchFamily="18" charset="0"/>
+                <a:ea typeface="Cambria Math" panose="02040503050406030204" pitchFamily="18" charset="0"/>
+                <a:cs typeface="Tahoma" panose="020B0604030504040204" pitchFamily="34" charset="0"/>
+              </a:rPr>
+              <a:t>Steps </a:t>
+            </a:r>
+            <a:r>
+              <a:rPr lang="en-GB" altLang="en-US" sz="1100" dirty="0">
+                <a:solidFill>
+                  <a:schemeClr val="tx1"/>
+                </a:solidFill>
+                <a:latin typeface="Cambria Math" panose="02040503050406030204" pitchFamily="18" charset="0"/>
+                <a:ea typeface="Cambria Math" panose="02040503050406030204" pitchFamily="18" charset="0"/>
+                <a:cs typeface="Tahoma" panose="020B0604030504040204" pitchFamily="34" charset="0"/>
+              </a:rPr>
+              <a:t>or </a:t>
+            </a:r>
+            <a:r>
+              <a:rPr lang="en-GB" altLang="en-US" sz="1100" b="1" dirty="0">
+                <a:solidFill>
+                  <a:schemeClr val="tx1"/>
+                </a:solidFill>
+                <a:latin typeface="Cambria Math" panose="02040503050406030204" pitchFamily="18" charset="0"/>
+                <a:ea typeface="Cambria Math" panose="02040503050406030204" pitchFamily="18" charset="0"/>
+                <a:cs typeface="Tahoma" panose="020B0604030504040204" pitchFamily="34" charset="0"/>
+              </a:rPr>
+              <a:t>Transformations</a:t>
+            </a:r>
+            <a:r>
+              <a:rPr lang="en-GB" altLang="en-US" sz="1100" dirty="0">
+                <a:solidFill>
+                  <a:schemeClr val="tx1"/>
+                </a:solidFill>
+                <a:latin typeface="Cambria Math" panose="02040503050406030204" pitchFamily="18" charset="0"/>
+                <a:ea typeface="Cambria Math" panose="02040503050406030204" pitchFamily="18" charset="0"/>
+                <a:cs typeface="Tahoma" panose="020B0604030504040204" pitchFamily="34" charset="0"/>
+              </a:rPr>
+              <a:t>.</a:t>
+            </a:r>
+          </a:p>
+          <a:p>
+            <a:pPr marL="914400" lvl="1" indent="-171450">
+              <a:spcBef>
+                <a:spcPct val="0"/>
+              </a:spcBef>
+              <a:buSzTx/>
+            </a:pPr>
+            <a:r>
+              <a:rPr lang="en-GB" altLang="en-US" sz="1100" dirty="0">
+                <a:solidFill>
+                  <a:schemeClr val="tx1"/>
+                </a:solidFill>
+                <a:latin typeface="Cambria Math" panose="02040503050406030204" pitchFamily="18" charset="0"/>
+                <a:ea typeface="Cambria Math" panose="02040503050406030204" pitchFamily="18" charset="0"/>
+                <a:cs typeface="Tahoma" panose="020B0604030504040204" pitchFamily="34" charset="0"/>
+              </a:rPr>
+              <a:t>Each line inside it is a Named Step that stores a result. </a:t>
+            </a:r>
+          </a:p>
+          <a:p>
+            <a:pPr marL="914400" lvl="1" indent="-171450">
+              <a:spcBef>
+                <a:spcPct val="0"/>
+              </a:spcBef>
+              <a:buSzTx/>
+            </a:pPr>
+            <a:endParaRPr lang="en-GB" altLang="en-US" sz="1100" dirty="0">
+              <a:solidFill>
+                <a:schemeClr val="tx1"/>
+              </a:solidFill>
+              <a:latin typeface="Cambria Math" panose="02040503050406030204" pitchFamily="18" charset="0"/>
+              <a:ea typeface="Cambria Math" panose="02040503050406030204" pitchFamily="18" charset="0"/>
+              <a:cs typeface="Tahoma" panose="020B0604030504040204" pitchFamily="34" charset="0"/>
+            </a:endParaRPr>
+          </a:p>
+        </p:txBody>
+      </p:sp>
+      <p:sp>
+        <p:nvSpPr>
+          <p:cNvPr id="7" name="Title 3">
+            <a:extLst>
+              <a:ext uri="{FF2B5EF4-FFF2-40B4-BE49-F238E27FC236}">
+                <a16:creationId xmlns:a16="http://schemas.microsoft.com/office/drawing/2014/main" id="{BF2F0921-662B-3452-549B-81B7B2B27F2D}"/>
+              </a:ext>
+            </a:extLst>
+          </p:cNvPr>
+          <p:cNvSpPr txBox="1">
+            <a:spLocks/>
+          </p:cNvSpPr>
+          <p:nvPr/>
+        </p:nvSpPr>
+        <p:spPr bwMode="auto">
+          <a:xfrm>
+            <a:off x="366517" y="3418652"/>
+            <a:ext cx="5222631" cy="463063"/>
+          </a:xfrm>
+          <a:prstGeom prst="rect">
+            <a:avLst/>
+          </a:prstGeom>
+          <a:noFill/>
+          <a:ln>
+            <a:noFill/>
+          </a:ln>
+          <a:extLst>
+            <a:ext uri="{909E8E84-426E-40DD-AFC4-6F175D3DCCD1}">
+              <a14:hiddenFill xmlns:a14="http://schemas.microsoft.com/office/drawing/2010/main">
+                <a:solidFill>
+                  <a:srgbClr val="FFFFFF"/>
+                </a:solidFill>
+              </a14:hiddenFill>
+            </a:ext>
+            <a:ext uri="{91240B29-F687-4F45-9708-019B960494DF}">
+              <a14:hiddenLine xmlns:a14="http://schemas.microsoft.com/office/drawing/2010/main" w="9525">
+                <a:solidFill>
+                  <a:srgbClr val="000000"/>
+                </a:solidFill>
+                <a:miter lim="800000"/>
+                <a:headEnd/>
+                <a:tailEnd/>
+              </a14:hiddenLine>
+            </a:ext>
+          </a:extLst>
+        </p:spPr>
+        <p:txBody>
+          <a:bodyPr/>
+          <a:lstStyle>
+            <a:lvl1pPr>
+              <a:spcBef>
+                <a:spcPct val="20000"/>
+              </a:spcBef>
+              <a:buSzPct val="80000"/>
+              <a:buFont typeface="Arial" panose="020B0604020202020204" pitchFamily="34" charset="0"/>
+              <a:buChar char="•"/>
+              <a:defRPr sz="2000">
+                <a:solidFill>
+                  <a:schemeClr val="bg1"/>
+                </a:solidFill>
+                <a:latin typeface="Arial" panose="020B0604020202020204" pitchFamily="34" charset="0"/>
+                <a:ea typeface="ＭＳ Ｐゴシック" panose="020B0600070205080204" pitchFamily="34" charset="-128"/>
+                <a:cs typeface="Century Gothic" panose="020B0502020202020204" pitchFamily="34" charset="0"/>
+              </a:defRPr>
+            </a:lvl1pPr>
+            <a:lvl2pPr marL="742950" indent="-285750">
+              <a:spcBef>
+                <a:spcPct val="20000"/>
+              </a:spcBef>
+              <a:buSzPct val="80000"/>
+              <a:buFont typeface="Courier New" panose="02070309020205020404" pitchFamily="49" charset="0"/>
+              <a:buChar char="o"/>
+              <a:defRPr>
+                <a:solidFill>
+                  <a:schemeClr val="bg1"/>
+                </a:solidFill>
+                <a:latin typeface="Arial" panose="020B0604020202020204" pitchFamily="34" charset="0"/>
+                <a:ea typeface="Arial" panose="020B0604020202020204" pitchFamily="34" charset="0"/>
+                <a:cs typeface="Century Gothic" panose="020B0502020202020204" pitchFamily="34" charset="0"/>
+              </a:defRPr>
+            </a:lvl2pPr>
+            <a:lvl3pPr marL="1143000" indent="-228600">
+              <a:spcBef>
+                <a:spcPct val="20000"/>
+              </a:spcBef>
+              <a:buFont typeface="Arial" panose="020B0604020202020204" pitchFamily="34" charset="0"/>
+              <a:buChar char="»"/>
+              <a:defRPr sz="1600">
+                <a:solidFill>
+                  <a:schemeClr val="bg1"/>
+                </a:solidFill>
+                <a:latin typeface="Arial" panose="020B0604020202020204" pitchFamily="34" charset="0"/>
+                <a:ea typeface="Arial" panose="020B0604020202020204" pitchFamily="34" charset="0"/>
+                <a:cs typeface="Century Gothic" panose="020B0502020202020204" pitchFamily="34" charset="0"/>
+              </a:defRPr>
+            </a:lvl3pPr>
+            <a:lvl4pPr marL="1600200" indent="-228600">
+              <a:spcBef>
+                <a:spcPct val="20000"/>
+              </a:spcBef>
+              <a:buFont typeface="Arial" panose="020B0604020202020204" pitchFamily="34" charset="0"/>
+              <a:buChar char="–"/>
+              <a:defRPr sz="1400">
+                <a:solidFill>
+                  <a:schemeClr val="bg1"/>
+                </a:solidFill>
+                <a:latin typeface="Arial" panose="020B0604020202020204" pitchFamily="34" charset="0"/>
+                <a:ea typeface="Arial" panose="020B0604020202020204" pitchFamily="34" charset="0"/>
+                <a:cs typeface="Century Gothic" panose="020B0502020202020204" pitchFamily="34" charset="0"/>
+              </a:defRPr>
+            </a:lvl4pPr>
+            <a:lvl5pPr marL="2057400" indent="-228600">
+              <a:spcBef>
+                <a:spcPct val="20000"/>
+              </a:spcBef>
+              <a:buFont typeface="Arial" panose="020B0604020202020204" pitchFamily="34" charset="0"/>
+              <a:buChar char="•"/>
+              <a:defRPr sz="1200">
+                <a:solidFill>
+                  <a:schemeClr val="bg1"/>
+                </a:solidFill>
+                <a:latin typeface="Arial" panose="020B0604020202020204" pitchFamily="34" charset="0"/>
+                <a:ea typeface="Arial" panose="020B0604020202020204" pitchFamily="34" charset="0"/>
+                <a:cs typeface="Century Gothic" panose="020B0502020202020204" pitchFamily="34" charset="0"/>
+              </a:defRPr>
+            </a:lvl5pPr>
+            <a:lvl6pPr marL="2514600" indent="-228600" eaLnBrk="0" fontAlgn="base" hangingPunct="0">
+              <a:spcBef>
+                <a:spcPct val="20000"/>
+              </a:spcBef>
+              <a:spcAft>
+                <a:spcPct val="0"/>
+              </a:spcAft>
+              <a:buFont typeface="Arial" panose="020B0604020202020204" pitchFamily="34" charset="0"/>
+              <a:buChar char="•"/>
+              <a:defRPr sz="1200">
+                <a:solidFill>
+                  <a:schemeClr val="bg1"/>
+                </a:solidFill>
+                <a:latin typeface="Arial" panose="020B0604020202020204" pitchFamily="34" charset="0"/>
+                <a:ea typeface="Arial" panose="020B0604020202020204" pitchFamily="34" charset="0"/>
+                <a:cs typeface="Century Gothic" panose="020B0502020202020204" pitchFamily="34" charset="0"/>
+              </a:defRPr>
+            </a:lvl6pPr>
+            <a:lvl7pPr marL="2971800" indent="-228600" eaLnBrk="0" fontAlgn="base" hangingPunct="0">
+              <a:spcBef>
+                <a:spcPct val="20000"/>
+              </a:spcBef>
+              <a:spcAft>
+                <a:spcPct val="0"/>
+              </a:spcAft>
+              <a:buFont typeface="Arial" panose="020B0604020202020204" pitchFamily="34" charset="0"/>
+              <a:buChar char="•"/>
+              <a:defRPr sz="1200">
+                <a:solidFill>
+                  <a:schemeClr val="bg1"/>
+                </a:solidFill>
+                <a:latin typeface="Arial" panose="020B0604020202020204" pitchFamily="34" charset="0"/>
+                <a:ea typeface="Arial" panose="020B0604020202020204" pitchFamily="34" charset="0"/>
+                <a:cs typeface="Century Gothic" panose="020B0502020202020204" pitchFamily="34" charset="0"/>
+              </a:defRPr>
+            </a:lvl7pPr>
+            <a:lvl8pPr marL="3429000" indent="-228600" eaLnBrk="0" fontAlgn="base" hangingPunct="0">
+              <a:spcBef>
+                <a:spcPct val="20000"/>
+              </a:spcBef>
+              <a:spcAft>
+                <a:spcPct val="0"/>
+              </a:spcAft>
+              <a:buFont typeface="Arial" panose="020B0604020202020204" pitchFamily="34" charset="0"/>
+              <a:buChar char="•"/>
+              <a:defRPr sz="1200">
+                <a:solidFill>
+                  <a:schemeClr val="bg1"/>
+                </a:solidFill>
+                <a:latin typeface="Arial" panose="020B0604020202020204" pitchFamily="34" charset="0"/>
+                <a:ea typeface="Arial" panose="020B0604020202020204" pitchFamily="34" charset="0"/>
+                <a:cs typeface="Century Gothic" panose="020B0502020202020204" pitchFamily="34" charset="0"/>
+              </a:defRPr>
+            </a:lvl8pPr>
+            <a:lvl9pPr marL="3886200" indent="-228600" eaLnBrk="0" fontAlgn="base" hangingPunct="0">
+              <a:spcBef>
+                <a:spcPct val="20000"/>
+              </a:spcBef>
+              <a:spcAft>
+                <a:spcPct val="0"/>
+              </a:spcAft>
+              <a:buFont typeface="Arial" panose="020B0604020202020204" pitchFamily="34" charset="0"/>
+              <a:buChar char="•"/>
+              <a:defRPr sz="1200">
+                <a:solidFill>
+                  <a:schemeClr val="bg1"/>
+                </a:solidFill>
+                <a:latin typeface="Arial" panose="020B0604020202020204" pitchFamily="34" charset="0"/>
+                <a:ea typeface="Arial" panose="020B0604020202020204" pitchFamily="34" charset="0"/>
+                <a:cs typeface="Century Gothic" panose="020B0502020202020204" pitchFamily="34" charset="0"/>
+              </a:defRPr>
+            </a:lvl9pPr>
+          </a:lstStyle>
+          <a:p>
+            <a:pPr marL="914400" lvl="1" indent="-171450">
+              <a:spcBef>
+                <a:spcPct val="0"/>
+              </a:spcBef>
+              <a:buSzTx/>
+            </a:pPr>
+            <a:r>
+              <a:rPr lang="en-GB" altLang="en-US" sz="1100" dirty="0">
+                <a:solidFill>
+                  <a:schemeClr val="tx1"/>
+                </a:solidFill>
+                <a:latin typeface="Cambria Math" panose="02040503050406030204" pitchFamily="18" charset="0"/>
+                <a:ea typeface="Cambria Math" panose="02040503050406030204" pitchFamily="18" charset="0"/>
+                <a:cs typeface="Tahoma" panose="020B0604030504040204" pitchFamily="34" charset="0"/>
+              </a:rPr>
+              <a:t>It tells </a:t>
+            </a:r>
+            <a:r>
+              <a:rPr lang="en-GB" altLang="en-US" sz="1100" b="1" dirty="0">
+                <a:solidFill>
+                  <a:schemeClr val="tx1"/>
+                </a:solidFill>
+                <a:latin typeface="Cambria Math" panose="02040503050406030204" pitchFamily="18" charset="0"/>
+                <a:ea typeface="Cambria Math" panose="02040503050406030204" pitchFamily="18" charset="0"/>
+                <a:cs typeface="Tahoma" panose="020B0604030504040204" pitchFamily="34" charset="0"/>
+              </a:rPr>
+              <a:t>Power Query</a:t>
+            </a:r>
+            <a:r>
+              <a:rPr lang="en-GB" altLang="en-US" sz="1100" dirty="0">
+                <a:solidFill>
+                  <a:schemeClr val="tx1"/>
+                </a:solidFill>
+                <a:latin typeface="Cambria Math" panose="02040503050406030204" pitchFamily="18" charset="0"/>
+                <a:ea typeface="Cambria Math" panose="02040503050406030204" pitchFamily="18" charset="0"/>
+                <a:cs typeface="Tahoma" panose="020B0604030504040204" pitchFamily="34" charset="0"/>
+              </a:rPr>
+              <a:t> which Step’s result be returned as Final Output.</a:t>
+            </a:r>
+          </a:p>
+          <a:p>
+            <a:pPr marL="914400" lvl="1" indent="-171450">
+              <a:spcBef>
+                <a:spcPct val="0"/>
+              </a:spcBef>
+              <a:buSzTx/>
+            </a:pPr>
+            <a:endParaRPr lang="en-GB" altLang="en-US" sz="1100" dirty="0">
+              <a:solidFill>
+                <a:schemeClr val="tx1"/>
+              </a:solidFill>
+              <a:latin typeface="Cambria Math" panose="02040503050406030204" pitchFamily="18" charset="0"/>
+              <a:ea typeface="Cambria Math" panose="02040503050406030204" pitchFamily="18" charset="0"/>
+              <a:cs typeface="Tahoma" panose="020B0604030504040204" pitchFamily="34" charset="0"/>
+            </a:endParaRPr>
+          </a:p>
+        </p:txBody>
+      </p:sp>
+    </p:spTree>
+    <p:extLst>
+      <p:ext uri="{BB962C8B-B14F-4D97-AF65-F5344CB8AC3E}">
+        <p14:creationId xmlns:p14="http://schemas.microsoft.com/office/powerpoint/2010/main" val="3638550121"/>
+      </p:ext>
+    </p:extLst>
+  </p:cSld>
+  <p:clrMapOvr>
+    <a:masterClrMapping/>
+  </p:clrMapOvr>
+</p:sld>
+</file>
+
+<file path=ppt/slides/slide6.xml><?xml version="1.0" encoding="utf-8"?>
+<p:sld xmlns:a="http://schemas.openxmlformats.org/drawingml/2006/main" xmlns:r="http://schemas.openxmlformats.org/officeDocument/2006/relationships" xmlns:p="http://schemas.openxmlformats.org/presentationml/2006/main">
+  <p:cSld>
+    <p:spTree>
+      <p:nvGrpSpPr>
+        <p:cNvPr id="1" name="">
+          <a:extLst>
+            <a:ext uri="{FF2B5EF4-FFF2-40B4-BE49-F238E27FC236}">
+              <a16:creationId xmlns:a16="http://schemas.microsoft.com/office/drawing/2014/main" id="{04FEED4B-84D2-76F1-9739-8507B76ACA94}"/>
+            </a:ext>
+          </a:extLst>
+        </p:cNvPr>
+        <p:cNvGrpSpPr/>
+        <p:nvPr/>
+      </p:nvGrpSpPr>
+      <p:grpSpPr>
+        <a:xfrm>
+          <a:off x="0" y="0"/>
+          <a:ext cx="0" cy="0"/>
+          <a:chOff x="0" y="0"/>
+          <a:chExt cx="0" cy="0"/>
+        </a:xfrm>
+      </p:grpSpPr>
+      <p:sp>
+        <p:nvSpPr>
+          <p:cNvPr id="2" name="Slide Number Placeholder 1">
+            <a:extLst>
+              <a:ext uri="{FF2B5EF4-FFF2-40B4-BE49-F238E27FC236}">
+                <a16:creationId xmlns:a16="http://schemas.microsoft.com/office/drawing/2014/main" id="{5C030011-B085-91B5-7CDB-721665D26843}"/>
+              </a:ext>
+            </a:extLst>
+          </p:cNvPr>
+          <p:cNvSpPr>
+            <a:spLocks noGrp="1"/>
+          </p:cNvSpPr>
+          <p:nvPr>
+            <p:ph type="sldNum" sz="quarter" idx="4"/>
+          </p:nvPr>
+        </p:nvSpPr>
+        <p:spPr/>
+        <p:txBody>
+          <a:bodyPr/>
+          <a:lstStyle/>
+          <a:p>
+            <a:r>
+              <a:rPr lang="en-US" dirty="0"/>
+              <a:t> Page </a:t>
+            </a:r>
+            <a:fld id="{80205D91-DB12-D84E-BDF5-5C1A349B2A1B}" type="slidenum">
+              <a:rPr lang="en-US" smtClean="0"/>
+              <a:pPr/>
+              <a:t>6</a:t>
+            </a:fld>
+            <a:endParaRPr lang="en-US" dirty="0"/>
+          </a:p>
+        </p:txBody>
+      </p:sp>
+      <p:sp>
+        <p:nvSpPr>
+          <p:cNvPr id="10" name="Title 3">
+            <a:extLst>
+              <a:ext uri="{FF2B5EF4-FFF2-40B4-BE49-F238E27FC236}">
+                <a16:creationId xmlns:a16="http://schemas.microsoft.com/office/drawing/2014/main" id="{E64072ED-695C-4F25-E2EF-E51628E1813B}"/>
+              </a:ext>
+            </a:extLst>
+          </p:cNvPr>
+          <p:cNvSpPr txBox="1">
+            <a:spLocks/>
+          </p:cNvSpPr>
+          <p:nvPr/>
+        </p:nvSpPr>
+        <p:spPr bwMode="auto">
+          <a:xfrm>
+            <a:off x="240323" y="357551"/>
+            <a:ext cx="7696200" cy="463062"/>
+          </a:xfrm>
+          <a:prstGeom prst="rect">
+            <a:avLst/>
+          </a:prstGeom>
+          <a:noFill/>
+          <a:ln>
+            <a:noFill/>
+          </a:ln>
+          <a:extLst>
+            <a:ext uri="{909E8E84-426E-40DD-AFC4-6F175D3DCCD1}">
+              <a14:hiddenFill xmlns:a14="http://schemas.microsoft.com/office/drawing/2010/main">
+                <a:solidFill>
+                  <a:srgbClr val="FFFFFF"/>
+                </a:solidFill>
+              </a14:hiddenFill>
+            </a:ext>
+            <a:ext uri="{91240B29-F687-4F45-9708-019B960494DF}">
+              <a14:hiddenLine xmlns:a14="http://schemas.microsoft.com/office/drawing/2010/main" w="9525">
+                <a:solidFill>
+                  <a:srgbClr val="000000"/>
+                </a:solidFill>
+                <a:miter lim="800000"/>
+                <a:headEnd/>
+                <a:tailEnd/>
+              </a14:hiddenLine>
+            </a:ext>
+          </a:extLst>
+        </p:spPr>
+        <p:txBody>
+          <a:bodyPr/>
+          <a:lstStyle>
+            <a:lvl1pPr>
+              <a:spcBef>
+                <a:spcPct val="20000"/>
+              </a:spcBef>
+              <a:buSzPct val="80000"/>
+              <a:buFont typeface="Arial" panose="020B0604020202020204" pitchFamily="34" charset="0"/>
+              <a:buChar char="•"/>
+              <a:defRPr sz="2000">
+                <a:solidFill>
+                  <a:schemeClr val="bg1"/>
+                </a:solidFill>
+                <a:latin typeface="Arial" panose="020B0604020202020204" pitchFamily="34" charset="0"/>
+                <a:ea typeface="ＭＳ Ｐゴシック" panose="020B0600070205080204" pitchFamily="34" charset="-128"/>
+                <a:cs typeface="Century Gothic" panose="020B0502020202020204" pitchFamily="34" charset="0"/>
+              </a:defRPr>
+            </a:lvl1pPr>
+            <a:lvl2pPr marL="742950" indent="-285750">
+              <a:spcBef>
+                <a:spcPct val="20000"/>
+              </a:spcBef>
+              <a:buSzPct val="80000"/>
+              <a:buFont typeface="Courier New" panose="02070309020205020404" pitchFamily="49" charset="0"/>
+              <a:buChar char="o"/>
+              <a:defRPr>
+                <a:solidFill>
+                  <a:schemeClr val="bg1"/>
+                </a:solidFill>
+                <a:latin typeface="Arial" panose="020B0604020202020204" pitchFamily="34" charset="0"/>
+                <a:ea typeface="Arial" panose="020B0604020202020204" pitchFamily="34" charset="0"/>
+                <a:cs typeface="Century Gothic" panose="020B0502020202020204" pitchFamily="34" charset="0"/>
+              </a:defRPr>
+            </a:lvl2pPr>
+            <a:lvl3pPr marL="1143000" indent="-228600">
+              <a:spcBef>
+                <a:spcPct val="20000"/>
+              </a:spcBef>
+              <a:buFont typeface="Arial" panose="020B0604020202020204" pitchFamily="34" charset="0"/>
+              <a:buChar char="»"/>
+              <a:defRPr sz="1600">
+                <a:solidFill>
+                  <a:schemeClr val="bg1"/>
+                </a:solidFill>
+                <a:latin typeface="Arial" panose="020B0604020202020204" pitchFamily="34" charset="0"/>
+                <a:ea typeface="Arial" panose="020B0604020202020204" pitchFamily="34" charset="0"/>
+                <a:cs typeface="Century Gothic" panose="020B0502020202020204" pitchFamily="34" charset="0"/>
+              </a:defRPr>
+            </a:lvl3pPr>
+            <a:lvl4pPr marL="1600200" indent="-228600">
+              <a:spcBef>
+                <a:spcPct val="20000"/>
+              </a:spcBef>
+              <a:buFont typeface="Arial" panose="020B0604020202020204" pitchFamily="34" charset="0"/>
+              <a:buChar char="–"/>
+              <a:defRPr sz="1400">
+                <a:solidFill>
+                  <a:schemeClr val="bg1"/>
+                </a:solidFill>
+                <a:latin typeface="Arial" panose="020B0604020202020204" pitchFamily="34" charset="0"/>
+                <a:ea typeface="Arial" panose="020B0604020202020204" pitchFamily="34" charset="0"/>
+                <a:cs typeface="Century Gothic" panose="020B0502020202020204" pitchFamily="34" charset="0"/>
+              </a:defRPr>
+            </a:lvl4pPr>
+            <a:lvl5pPr marL="2057400" indent="-228600">
+              <a:spcBef>
+                <a:spcPct val="20000"/>
+              </a:spcBef>
+              <a:buFont typeface="Arial" panose="020B0604020202020204" pitchFamily="34" charset="0"/>
+              <a:buChar char="•"/>
+              <a:defRPr sz="1200">
+                <a:solidFill>
+                  <a:schemeClr val="bg1"/>
+                </a:solidFill>
+                <a:latin typeface="Arial" panose="020B0604020202020204" pitchFamily="34" charset="0"/>
+                <a:ea typeface="Arial" panose="020B0604020202020204" pitchFamily="34" charset="0"/>
+                <a:cs typeface="Century Gothic" panose="020B0502020202020204" pitchFamily="34" charset="0"/>
+              </a:defRPr>
+            </a:lvl5pPr>
+            <a:lvl6pPr marL="2514600" indent="-228600" eaLnBrk="0" fontAlgn="base" hangingPunct="0">
+              <a:spcBef>
+                <a:spcPct val="20000"/>
+              </a:spcBef>
+              <a:spcAft>
+                <a:spcPct val="0"/>
+              </a:spcAft>
+              <a:buFont typeface="Arial" panose="020B0604020202020204" pitchFamily="34" charset="0"/>
+              <a:buChar char="•"/>
+              <a:defRPr sz="1200">
+                <a:solidFill>
+                  <a:schemeClr val="bg1"/>
+                </a:solidFill>
+                <a:latin typeface="Arial" panose="020B0604020202020204" pitchFamily="34" charset="0"/>
+                <a:ea typeface="Arial" panose="020B0604020202020204" pitchFamily="34" charset="0"/>
+                <a:cs typeface="Century Gothic" panose="020B0502020202020204" pitchFamily="34" charset="0"/>
+              </a:defRPr>
+            </a:lvl6pPr>
+            <a:lvl7pPr marL="2971800" indent="-228600" eaLnBrk="0" fontAlgn="base" hangingPunct="0">
+              <a:spcBef>
+                <a:spcPct val="20000"/>
+              </a:spcBef>
+              <a:spcAft>
+                <a:spcPct val="0"/>
+              </a:spcAft>
+              <a:buFont typeface="Arial" panose="020B0604020202020204" pitchFamily="34" charset="0"/>
+              <a:buChar char="•"/>
+              <a:defRPr sz="1200">
+                <a:solidFill>
+                  <a:schemeClr val="bg1"/>
+                </a:solidFill>
+                <a:latin typeface="Arial" panose="020B0604020202020204" pitchFamily="34" charset="0"/>
+                <a:ea typeface="Arial" panose="020B0604020202020204" pitchFamily="34" charset="0"/>
+                <a:cs typeface="Century Gothic" panose="020B0502020202020204" pitchFamily="34" charset="0"/>
+              </a:defRPr>
+            </a:lvl7pPr>
+            <a:lvl8pPr marL="3429000" indent="-228600" eaLnBrk="0" fontAlgn="base" hangingPunct="0">
+              <a:spcBef>
+                <a:spcPct val="20000"/>
+              </a:spcBef>
+              <a:spcAft>
+                <a:spcPct val="0"/>
+              </a:spcAft>
+              <a:buFont typeface="Arial" panose="020B0604020202020204" pitchFamily="34" charset="0"/>
+              <a:buChar char="•"/>
+              <a:defRPr sz="1200">
+                <a:solidFill>
+                  <a:schemeClr val="bg1"/>
+                </a:solidFill>
+                <a:latin typeface="Arial" panose="020B0604020202020204" pitchFamily="34" charset="0"/>
+                <a:ea typeface="Arial" panose="020B0604020202020204" pitchFamily="34" charset="0"/>
+                <a:cs typeface="Century Gothic" panose="020B0502020202020204" pitchFamily="34" charset="0"/>
+              </a:defRPr>
+            </a:lvl8pPr>
+            <a:lvl9pPr marL="3886200" indent="-228600" eaLnBrk="0" fontAlgn="base" hangingPunct="0">
+              <a:spcBef>
+                <a:spcPct val="20000"/>
+              </a:spcBef>
+              <a:spcAft>
+                <a:spcPct val="0"/>
+              </a:spcAft>
+              <a:buFont typeface="Arial" panose="020B0604020202020204" pitchFamily="34" charset="0"/>
+              <a:buChar char="•"/>
+              <a:defRPr sz="1200">
+                <a:solidFill>
+                  <a:schemeClr val="bg1"/>
+                </a:solidFill>
+                <a:latin typeface="Arial" panose="020B0604020202020204" pitchFamily="34" charset="0"/>
+                <a:ea typeface="Arial" panose="020B0604020202020204" pitchFamily="34" charset="0"/>
+                <a:cs typeface="Century Gothic" panose="020B0502020202020204" pitchFamily="34" charset="0"/>
+              </a:defRPr>
+            </a:lvl9pPr>
+          </a:lstStyle>
+          <a:p>
+            <a:pPr>
+              <a:spcBef>
+                <a:spcPct val="0"/>
+              </a:spcBef>
+              <a:buSzTx/>
+              <a:buFontTx/>
+              <a:buNone/>
+            </a:pPr>
+            <a:r>
+              <a:rPr lang="en-GB" altLang="en-US" dirty="0">
+                <a:solidFill>
+                  <a:schemeClr val="tx1"/>
+                </a:solidFill>
+                <a:latin typeface="Century Gothic" panose="020B0502020202020204" pitchFamily="34" charset="0"/>
+                <a:ea typeface="Adobe Fan Heiti Std B" panose="020B0700000000000000" pitchFamily="34" charset="-128"/>
+                <a:cs typeface="Tahoma" panose="020B0604030504040204" pitchFamily="34" charset="0"/>
+              </a:rPr>
+              <a:t>Variable Naming</a:t>
+            </a:r>
+          </a:p>
+        </p:txBody>
+      </p:sp>
+      <p:sp>
+        <p:nvSpPr>
+          <p:cNvPr id="5" name="Title 3">
+            <a:extLst>
+              <a:ext uri="{FF2B5EF4-FFF2-40B4-BE49-F238E27FC236}">
+                <a16:creationId xmlns:a16="http://schemas.microsoft.com/office/drawing/2014/main" id="{361F265F-292A-A8AF-263D-52AA18EC0AC4}"/>
+              </a:ext>
+            </a:extLst>
+          </p:cNvPr>
+          <p:cNvSpPr txBox="1">
+            <a:spLocks/>
+          </p:cNvSpPr>
+          <p:nvPr/>
+        </p:nvSpPr>
+        <p:spPr bwMode="auto">
+          <a:xfrm>
+            <a:off x="191017" y="1061626"/>
+            <a:ext cx="5594321" cy="1458836"/>
+          </a:xfrm>
+          <a:prstGeom prst="rect">
+            <a:avLst/>
+          </a:prstGeom>
+          <a:noFill/>
+          <a:ln>
+            <a:noFill/>
+          </a:ln>
+          <a:extLst>
+            <a:ext uri="{909E8E84-426E-40DD-AFC4-6F175D3DCCD1}">
+              <a14:hiddenFill xmlns:a14="http://schemas.microsoft.com/office/drawing/2010/main">
+                <a:solidFill>
+                  <a:srgbClr val="FFFFFF"/>
+                </a:solidFill>
+              </a14:hiddenFill>
+            </a:ext>
+            <a:ext uri="{91240B29-F687-4F45-9708-019B960494DF}">
+              <a14:hiddenLine xmlns:a14="http://schemas.microsoft.com/office/drawing/2010/main" w="9525">
+                <a:solidFill>
+                  <a:srgbClr val="000000"/>
+                </a:solidFill>
+                <a:miter lim="800000"/>
+                <a:headEnd/>
+                <a:tailEnd/>
+              </a14:hiddenLine>
+            </a:ext>
+          </a:extLst>
+        </p:spPr>
+        <p:txBody>
+          <a:bodyPr/>
+          <a:lstStyle>
+            <a:lvl1pPr>
+              <a:spcBef>
+                <a:spcPct val="20000"/>
+              </a:spcBef>
+              <a:buSzPct val="80000"/>
+              <a:buFont typeface="Arial" panose="020B0604020202020204" pitchFamily="34" charset="0"/>
+              <a:buChar char="•"/>
+              <a:defRPr sz="2000">
+                <a:solidFill>
+                  <a:schemeClr val="bg1"/>
+                </a:solidFill>
+                <a:latin typeface="Arial" panose="020B0604020202020204" pitchFamily="34" charset="0"/>
+                <a:ea typeface="ＭＳ Ｐゴシック" panose="020B0600070205080204" pitchFamily="34" charset="-128"/>
+                <a:cs typeface="Century Gothic" panose="020B0502020202020204" pitchFamily="34" charset="0"/>
+              </a:defRPr>
+            </a:lvl1pPr>
+            <a:lvl2pPr marL="742950" indent="-285750">
+              <a:spcBef>
+                <a:spcPct val="20000"/>
+              </a:spcBef>
+              <a:buSzPct val="80000"/>
+              <a:buFont typeface="Courier New" panose="02070309020205020404" pitchFamily="49" charset="0"/>
+              <a:buChar char="o"/>
+              <a:defRPr>
+                <a:solidFill>
+                  <a:schemeClr val="bg1"/>
+                </a:solidFill>
+                <a:latin typeface="Arial" panose="020B0604020202020204" pitchFamily="34" charset="0"/>
+                <a:ea typeface="Arial" panose="020B0604020202020204" pitchFamily="34" charset="0"/>
+                <a:cs typeface="Century Gothic" panose="020B0502020202020204" pitchFamily="34" charset="0"/>
+              </a:defRPr>
+            </a:lvl2pPr>
+            <a:lvl3pPr marL="1143000" indent="-228600">
+              <a:spcBef>
+                <a:spcPct val="20000"/>
+              </a:spcBef>
+              <a:buFont typeface="Arial" panose="020B0604020202020204" pitchFamily="34" charset="0"/>
+              <a:buChar char="»"/>
+              <a:defRPr sz="1600">
+                <a:solidFill>
+                  <a:schemeClr val="bg1"/>
+                </a:solidFill>
+                <a:latin typeface="Arial" panose="020B0604020202020204" pitchFamily="34" charset="0"/>
+                <a:ea typeface="Arial" panose="020B0604020202020204" pitchFamily="34" charset="0"/>
+                <a:cs typeface="Century Gothic" panose="020B0502020202020204" pitchFamily="34" charset="0"/>
+              </a:defRPr>
+            </a:lvl3pPr>
+            <a:lvl4pPr marL="1600200" indent="-228600">
+              <a:spcBef>
+                <a:spcPct val="20000"/>
+              </a:spcBef>
+              <a:buFont typeface="Arial" panose="020B0604020202020204" pitchFamily="34" charset="0"/>
+              <a:buChar char="–"/>
+              <a:defRPr sz="1400">
+                <a:solidFill>
+                  <a:schemeClr val="bg1"/>
+                </a:solidFill>
+                <a:latin typeface="Arial" panose="020B0604020202020204" pitchFamily="34" charset="0"/>
+                <a:ea typeface="Arial" panose="020B0604020202020204" pitchFamily="34" charset="0"/>
+                <a:cs typeface="Century Gothic" panose="020B0502020202020204" pitchFamily="34" charset="0"/>
+              </a:defRPr>
+            </a:lvl4pPr>
+            <a:lvl5pPr marL="2057400" indent="-228600">
+              <a:spcBef>
+                <a:spcPct val="20000"/>
+              </a:spcBef>
+              <a:buFont typeface="Arial" panose="020B0604020202020204" pitchFamily="34" charset="0"/>
+              <a:buChar char="•"/>
+              <a:defRPr sz="1200">
+                <a:solidFill>
+                  <a:schemeClr val="bg1"/>
+                </a:solidFill>
+                <a:latin typeface="Arial" panose="020B0604020202020204" pitchFamily="34" charset="0"/>
+                <a:ea typeface="Arial" panose="020B0604020202020204" pitchFamily="34" charset="0"/>
+                <a:cs typeface="Century Gothic" panose="020B0502020202020204" pitchFamily="34" charset="0"/>
+              </a:defRPr>
+            </a:lvl5pPr>
+            <a:lvl6pPr marL="2514600" indent="-228600" eaLnBrk="0" fontAlgn="base" hangingPunct="0">
+              <a:spcBef>
+                <a:spcPct val="20000"/>
+              </a:spcBef>
+              <a:spcAft>
+                <a:spcPct val="0"/>
+              </a:spcAft>
+              <a:buFont typeface="Arial" panose="020B0604020202020204" pitchFamily="34" charset="0"/>
+              <a:buChar char="•"/>
+              <a:defRPr sz="1200">
+                <a:solidFill>
+                  <a:schemeClr val="bg1"/>
+                </a:solidFill>
+                <a:latin typeface="Arial" panose="020B0604020202020204" pitchFamily="34" charset="0"/>
+                <a:ea typeface="Arial" panose="020B0604020202020204" pitchFamily="34" charset="0"/>
+                <a:cs typeface="Century Gothic" panose="020B0502020202020204" pitchFamily="34" charset="0"/>
+              </a:defRPr>
+            </a:lvl6pPr>
+            <a:lvl7pPr marL="2971800" indent="-228600" eaLnBrk="0" fontAlgn="base" hangingPunct="0">
+              <a:spcBef>
+                <a:spcPct val="20000"/>
+              </a:spcBef>
+              <a:spcAft>
+                <a:spcPct val="0"/>
+              </a:spcAft>
+              <a:buFont typeface="Arial" panose="020B0604020202020204" pitchFamily="34" charset="0"/>
+              <a:buChar char="•"/>
+              <a:defRPr sz="1200">
+                <a:solidFill>
+                  <a:schemeClr val="bg1"/>
+                </a:solidFill>
+                <a:latin typeface="Arial" panose="020B0604020202020204" pitchFamily="34" charset="0"/>
+                <a:ea typeface="Arial" panose="020B0604020202020204" pitchFamily="34" charset="0"/>
+                <a:cs typeface="Century Gothic" panose="020B0502020202020204" pitchFamily="34" charset="0"/>
+              </a:defRPr>
+            </a:lvl7pPr>
+            <a:lvl8pPr marL="3429000" indent="-228600" eaLnBrk="0" fontAlgn="base" hangingPunct="0">
+              <a:spcBef>
+                <a:spcPct val="20000"/>
+              </a:spcBef>
+              <a:spcAft>
+                <a:spcPct val="0"/>
+              </a:spcAft>
+              <a:buFont typeface="Arial" panose="020B0604020202020204" pitchFamily="34" charset="0"/>
+              <a:buChar char="•"/>
+              <a:defRPr sz="1200">
+                <a:solidFill>
+                  <a:schemeClr val="bg1"/>
+                </a:solidFill>
+                <a:latin typeface="Arial" panose="020B0604020202020204" pitchFamily="34" charset="0"/>
+                <a:ea typeface="Arial" panose="020B0604020202020204" pitchFamily="34" charset="0"/>
+                <a:cs typeface="Century Gothic" panose="020B0502020202020204" pitchFamily="34" charset="0"/>
+              </a:defRPr>
+            </a:lvl8pPr>
+            <a:lvl9pPr marL="3886200" indent="-228600" eaLnBrk="0" fontAlgn="base" hangingPunct="0">
+              <a:spcBef>
+                <a:spcPct val="20000"/>
+              </a:spcBef>
+              <a:spcAft>
+                <a:spcPct val="0"/>
+              </a:spcAft>
+              <a:buFont typeface="Arial" panose="020B0604020202020204" pitchFamily="34" charset="0"/>
+              <a:buChar char="•"/>
+              <a:defRPr sz="1200">
+                <a:solidFill>
+                  <a:schemeClr val="bg1"/>
+                </a:solidFill>
+                <a:latin typeface="Arial" panose="020B0604020202020204" pitchFamily="34" charset="0"/>
+                <a:ea typeface="Arial" panose="020B0604020202020204" pitchFamily="34" charset="0"/>
+                <a:cs typeface="Century Gothic" panose="020B0502020202020204" pitchFamily="34" charset="0"/>
+              </a:defRPr>
+            </a:lvl9pPr>
+          </a:lstStyle>
+          <a:p>
+            <a:pPr marL="914400" lvl="1" indent="-171450">
+              <a:spcBef>
+                <a:spcPct val="0"/>
+              </a:spcBef>
+              <a:buSzTx/>
+            </a:pPr>
+            <a:r>
+              <a:rPr lang="en-GB" altLang="en-US" sz="1100" dirty="0">
+                <a:solidFill>
+                  <a:schemeClr val="tx1"/>
+                </a:solidFill>
+                <a:latin typeface="Cambria" panose="02040503050406030204" pitchFamily="18" charset="0"/>
+                <a:ea typeface="Cambria" panose="02040503050406030204" pitchFamily="18" charset="0"/>
+                <a:cs typeface="Tahoma" panose="020B0604030504040204" pitchFamily="34" charset="0"/>
+              </a:rPr>
+              <a:t>Variable names are </a:t>
+            </a:r>
+            <a:r>
+              <a:rPr lang="en-GB" altLang="en-US" sz="1100" b="1" dirty="0">
+                <a:solidFill>
+                  <a:schemeClr val="tx1"/>
+                </a:solidFill>
+                <a:latin typeface="Cambria" panose="02040503050406030204" pitchFamily="18" charset="0"/>
+                <a:ea typeface="Cambria" panose="02040503050406030204" pitchFamily="18" charset="0"/>
+                <a:cs typeface="Tahoma" panose="020B0604030504040204" pitchFamily="34" charset="0"/>
+              </a:rPr>
+              <a:t>case-sensitive </a:t>
+            </a:r>
+            <a:r>
+              <a:rPr lang="en-GB" altLang="en-US" sz="1100" dirty="0">
+                <a:solidFill>
+                  <a:schemeClr val="tx1"/>
+                </a:solidFill>
+                <a:latin typeface="Cambria" panose="02040503050406030204" pitchFamily="18" charset="0"/>
+                <a:ea typeface="Cambria" panose="02040503050406030204" pitchFamily="18" charset="0"/>
+                <a:cs typeface="Tahoma" panose="020B0604030504040204" pitchFamily="34" charset="0"/>
+              </a:rPr>
+              <a:t>means </a:t>
+            </a:r>
+            <a:r>
+              <a:rPr lang="en-GB" altLang="en-US" sz="1100" dirty="0">
+                <a:solidFill>
+                  <a:srgbClr val="0000FF"/>
+                </a:solidFill>
+                <a:latin typeface="Cambria" panose="02040503050406030204" pitchFamily="18" charset="0"/>
+                <a:ea typeface="Cambria" panose="02040503050406030204" pitchFamily="18" charset="0"/>
+                <a:cs typeface="Tahoma" panose="020B0604030504040204" pitchFamily="34" charset="0"/>
+              </a:rPr>
+              <a:t>(TotalSales </a:t>
+            </a:r>
+            <a:r>
+              <a:rPr lang="en-IN" sz="1100" dirty="0">
+                <a:solidFill>
+                  <a:srgbClr val="0000FF"/>
+                </a:solidFill>
+                <a:latin typeface="Cambria" panose="02040503050406030204" pitchFamily="18" charset="0"/>
+                <a:ea typeface="Cambria" panose="02040503050406030204" pitchFamily="18" charset="0"/>
+              </a:rPr>
+              <a:t>≠ totalsales).</a:t>
+            </a:r>
+          </a:p>
+          <a:p>
+            <a:pPr marL="914400" lvl="1" indent="-171450">
+              <a:spcBef>
+                <a:spcPct val="0"/>
+              </a:spcBef>
+              <a:buSzTx/>
+            </a:pPr>
+            <a:endParaRPr lang="en-IN" altLang="en-US" sz="1100" dirty="0">
+              <a:solidFill>
+                <a:srgbClr val="0000FF"/>
+              </a:solidFill>
+              <a:latin typeface="Cambria" panose="02040503050406030204" pitchFamily="18" charset="0"/>
+              <a:ea typeface="Cambria" panose="02040503050406030204" pitchFamily="18" charset="0"/>
+              <a:cs typeface="Tahoma" panose="020B0604030504040204" pitchFamily="34" charset="0"/>
+            </a:endParaRPr>
+          </a:p>
+          <a:p>
+            <a:pPr marL="914400" lvl="1" indent="-171450">
+              <a:spcBef>
+                <a:spcPct val="0"/>
+              </a:spcBef>
+              <a:buSzTx/>
+            </a:pPr>
+            <a:r>
+              <a:rPr lang="en-GB" altLang="en-US" sz="1100" dirty="0">
+                <a:solidFill>
+                  <a:schemeClr val="tx1"/>
+                </a:solidFill>
+                <a:latin typeface="Cambria" panose="02040503050406030204" pitchFamily="18" charset="0"/>
+                <a:ea typeface="Cambria" panose="02040503050406030204" pitchFamily="18" charset="0"/>
+                <a:cs typeface="Tahoma" panose="020B0604030504040204" pitchFamily="34" charset="0"/>
+              </a:rPr>
+              <a:t>Must </a:t>
+            </a:r>
+            <a:r>
+              <a:rPr lang="en-GB" altLang="en-US" sz="1100" b="1" dirty="0">
+                <a:solidFill>
+                  <a:schemeClr val="tx1"/>
+                </a:solidFill>
+                <a:latin typeface="Cambria" panose="02040503050406030204" pitchFamily="18" charset="0"/>
+                <a:ea typeface="Cambria" panose="02040503050406030204" pitchFamily="18" charset="0"/>
+                <a:cs typeface="Tahoma" panose="020B0604030504040204" pitchFamily="34" charset="0"/>
+              </a:rPr>
+              <a:t>start with a letter (A-Z);</a:t>
+            </a:r>
+            <a:r>
+              <a:rPr lang="en-GB" altLang="en-US" sz="1100" dirty="0">
+                <a:solidFill>
+                  <a:schemeClr val="tx1"/>
+                </a:solidFill>
+                <a:latin typeface="Cambria" panose="02040503050406030204" pitchFamily="18" charset="0"/>
+                <a:ea typeface="Cambria" panose="02040503050406030204" pitchFamily="18" charset="0"/>
+                <a:cs typeface="Tahoma" panose="020B0604030504040204" pitchFamily="34" charset="0"/>
+              </a:rPr>
+              <a:t> can include </a:t>
+            </a:r>
+            <a:r>
+              <a:rPr lang="en-GB" altLang="en-US" sz="1100" b="1" dirty="0">
+                <a:solidFill>
+                  <a:schemeClr val="tx1"/>
+                </a:solidFill>
+                <a:latin typeface="Cambria" panose="02040503050406030204" pitchFamily="18" charset="0"/>
+                <a:ea typeface="Cambria" panose="02040503050406030204" pitchFamily="18" charset="0"/>
+                <a:cs typeface="Tahoma" panose="020B0604030504040204" pitchFamily="34" charset="0"/>
+              </a:rPr>
+              <a:t>numbers</a:t>
+            </a:r>
+            <a:r>
+              <a:rPr lang="en-GB" altLang="en-US" sz="1100" dirty="0">
+                <a:solidFill>
+                  <a:schemeClr val="tx1"/>
+                </a:solidFill>
+                <a:latin typeface="Cambria" panose="02040503050406030204" pitchFamily="18" charset="0"/>
+                <a:ea typeface="Cambria" panose="02040503050406030204" pitchFamily="18" charset="0"/>
+                <a:cs typeface="Tahoma" panose="020B0604030504040204" pitchFamily="34" charset="0"/>
+              </a:rPr>
+              <a:t> and </a:t>
+            </a:r>
+            <a:r>
+              <a:rPr lang="en-GB" altLang="en-US" sz="1100" b="1" dirty="0">
+                <a:solidFill>
+                  <a:schemeClr val="tx1"/>
+                </a:solidFill>
+                <a:latin typeface="Cambria" panose="02040503050406030204" pitchFamily="18" charset="0"/>
+                <a:ea typeface="Cambria" panose="02040503050406030204" pitchFamily="18" charset="0"/>
+                <a:cs typeface="Tahoma" panose="020B0604030504040204" pitchFamily="34" charset="0"/>
+              </a:rPr>
+              <a:t>underscores.</a:t>
+            </a:r>
+          </a:p>
+          <a:p>
+            <a:pPr lvl="1" indent="0">
+              <a:spcBef>
+                <a:spcPct val="0"/>
+              </a:spcBef>
+              <a:buSzTx/>
+              <a:buNone/>
+            </a:pPr>
+            <a:endParaRPr lang="en-GB" altLang="en-US" sz="1100" dirty="0">
+              <a:solidFill>
+                <a:schemeClr val="tx1"/>
+              </a:solidFill>
+              <a:latin typeface="Cambria" panose="02040503050406030204" pitchFamily="18" charset="0"/>
+              <a:ea typeface="Cambria" panose="02040503050406030204" pitchFamily="18" charset="0"/>
+              <a:cs typeface="Tahoma" panose="020B0604030504040204" pitchFamily="34" charset="0"/>
+            </a:endParaRPr>
+          </a:p>
+          <a:p>
+            <a:pPr marL="914400" lvl="1" indent="-171450">
+              <a:spcBef>
+                <a:spcPct val="0"/>
+              </a:spcBef>
+              <a:buSzTx/>
+            </a:pPr>
+            <a:r>
+              <a:rPr lang="en-GB" altLang="en-US" sz="1100" dirty="0">
+                <a:solidFill>
+                  <a:schemeClr val="tx1"/>
+                </a:solidFill>
+                <a:latin typeface="Cambria" panose="02040503050406030204" pitchFamily="18" charset="0"/>
+                <a:ea typeface="Cambria" panose="02040503050406030204" pitchFamily="18" charset="0"/>
+                <a:cs typeface="Tahoma" panose="020B0604030504040204" pitchFamily="34" charset="0"/>
+              </a:rPr>
+              <a:t>No spaces – use </a:t>
+            </a:r>
+            <a:r>
+              <a:rPr lang="en-GB" altLang="en-US" sz="1100" b="1" dirty="0">
+                <a:solidFill>
+                  <a:schemeClr val="tx1"/>
+                </a:solidFill>
+                <a:latin typeface="Cambria" panose="02040503050406030204" pitchFamily="18" charset="0"/>
+                <a:ea typeface="Cambria" panose="02040503050406030204" pitchFamily="18" charset="0"/>
+                <a:cs typeface="Tahoma" panose="020B0604030504040204" pitchFamily="34" charset="0"/>
+              </a:rPr>
+              <a:t>_ </a:t>
+            </a:r>
+            <a:r>
+              <a:rPr lang="en-GB" altLang="en-US" sz="1100" dirty="0">
+                <a:solidFill>
+                  <a:schemeClr val="tx1"/>
+                </a:solidFill>
+                <a:latin typeface="Cambria" panose="02040503050406030204" pitchFamily="18" charset="0"/>
+                <a:ea typeface="Cambria" panose="02040503050406030204" pitchFamily="18" charset="0"/>
+                <a:cs typeface="Tahoma" panose="020B0604030504040204" pitchFamily="34" charset="0"/>
+              </a:rPr>
+              <a:t>or </a:t>
+            </a:r>
+            <a:r>
+              <a:rPr lang="en-GB" altLang="en-US" sz="1100" b="1" dirty="0">
+                <a:solidFill>
+                  <a:schemeClr val="tx1"/>
+                </a:solidFill>
+                <a:latin typeface="Cambria" panose="02040503050406030204" pitchFamily="18" charset="0"/>
+                <a:ea typeface="Cambria" panose="02040503050406030204" pitchFamily="18" charset="0"/>
+                <a:cs typeface="Tahoma" panose="020B0604030504040204" pitchFamily="34" charset="0"/>
+              </a:rPr>
+              <a:t>camelCase</a:t>
+            </a:r>
+            <a:r>
+              <a:rPr lang="en-GB" altLang="en-US" sz="1100" dirty="0">
+                <a:solidFill>
+                  <a:schemeClr val="tx1"/>
+                </a:solidFill>
+                <a:latin typeface="Cambria" panose="02040503050406030204" pitchFamily="18" charset="0"/>
+                <a:ea typeface="Cambria" panose="02040503050406030204" pitchFamily="18" charset="0"/>
+                <a:cs typeface="Tahoma" panose="020B0604030504040204" pitchFamily="34" charset="0"/>
+              </a:rPr>
+              <a:t> for readability.</a:t>
+            </a:r>
+          </a:p>
+          <a:p>
+            <a:pPr marL="914400" lvl="1" indent="-171450">
+              <a:spcBef>
+                <a:spcPct val="0"/>
+              </a:spcBef>
+              <a:buSzTx/>
+            </a:pPr>
+            <a:endParaRPr lang="en-GB" altLang="en-US" sz="1100" dirty="0">
+              <a:solidFill>
+                <a:schemeClr val="tx1"/>
+              </a:solidFill>
+              <a:latin typeface="Cambria" panose="02040503050406030204" pitchFamily="18" charset="0"/>
+              <a:ea typeface="Cambria" panose="02040503050406030204" pitchFamily="18" charset="0"/>
+              <a:cs typeface="Tahoma" panose="020B0604030504040204" pitchFamily="34" charset="0"/>
+            </a:endParaRPr>
+          </a:p>
+          <a:p>
+            <a:pPr marL="914400" lvl="1" indent="-171450">
+              <a:spcBef>
+                <a:spcPct val="0"/>
+              </a:spcBef>
+              <a:buSzTx/>
+            </a:pPr>
+            <a:r>
+              <a:rPr lang="en-GB" altLang="en-US" sz="1100" dirty="0">
+                <a:solidFill>
+                  <a:schemeClr val="tx1"/>
+                </a:solidFill>
+                <a:latin typeface="Cambria" panose="02040503050406030204" pitchFamily="18" charset="0"/>
+                <a:ea typeface="Cambria" panose="02040503050406030204" pitchFamily="18" charset="0"/>
+                <a:cs typeface="Tahoma" panose="020B0604030504040204" pitchFamily="34" charset="0"/>
+              </a:rPr>
+              <a:t>Avoid reserved words like </a:t>
+            </a:r>
+            <a:r>
+              <a:rPr lang="en-GB" altLang="en-US" sz="1100" dirty="0">
+                <a:solidFill>
+                  <a:srgbClr val="0000FF"/>
+                </a:solidFill>
+                <a:latin typeface="Cambria" panose="02040503050406030204" pitchFamily="18" charset="0"/>
+                <a:ea typeface="Cambria" panose="02040503050406030204" pitchFamily="18" charset="0"/>
+                <a:cs typeface="Tahoma" panose="020B0604030504040204" pitchFamily="34" charset="0"/>
+              </a:rPr>
+              <a:t>let, in, each </a:t>
+            </a:r>
+            <a:r>
+              <a:rPr lang="en-GB" altLang="en-US" sz="1100" dirty="0">
+                <a:solidFill>
+                  <a:schemeClr val="tx1"/>
+                </a:solidFill>
+                <a:latin typeface="Cambria" panose="02040503050406030204" pitchFamily="18" charset="0"/>
+                <a:ea typeface="Cambria" panose="02040503050406030204" pitchFamily="18" charset="0"/>
+                <a:cs typeface="Tahoma" panose="020B0604030504040204" pitchFamily="34" charset="0"/>
+              </a:rPr>
+              <a:t>etc.</a:t>
+            </a:r>
+          </a:p>
+          <a:p>
+            <a:pPr marL="914400" lvl="1" indent="-171450">
+              <a:spcBef>
+                <a:spcPct val="0"/>
+              </a:spcBef>
+              <a:buSzTx/>
+            </a:pPr>
+            <a:endParaRPr lang="en-GB" altLang="en-US" sz="1100" dirty="0">
+              <a:solidFill>
+                <a:schemeClr val="tx1"/>
+              </a:solidFill>
+              <a:latin typeface="Cambria" panose="02040503050406030204" pitchFamily="18" charset="0"/>
+              <a:ea typeface="Cambria" panose="02040503050406030204" pitchFamily="18" charset="0"/>
+              <a:cs typeface="Tahoma" panose="020B0604030504040204" pitchFamily="34" charset="0"/>
+            </a:endParaRPr>
+          </a:p>
+        </p:txBody>
+      </p:sp>
+      <p:sp>
+        <p:nvSpPr>
+          <p:cNvPr id="7" name="Title 3">
+            <a:extLst>
+              <a:ext uri="{FF2B5EF4-FFF2-40B4-BE49-F238E27FC236}">
+                <a16:creationId xmlns:a16="http://schemas.microsoft.com/office/drawing/2014/main" id="{FA0F09D6-2825-8DFB-91C4-3382BAB567D6}"/>
+              </a:ext>
+            </a:extLst>
+          </p:cNvPr>
+          <p:cNvSpPr txBox="1">
+            <a:spLocks/>
+          </p:cNvSpPr>
+          <p:nvPr/>
+        </p:nvSpPr>
+        <p:spPr bwMode="auto">
+          <a:xfrm>
+            <a:off x="1678640" y="2963687"/>
+            <a:ext cx="2622522" cy="952160"/>
+          </a:xfrm>
+          <a:prstGeom prst="rect">
+            <a:avLst/>
+          </a:prstGeom>
+          <a:noFill/>
+          <a:ln>
+            <a:noFill/>
+          </a:ln>
+          <a:extLst>
+            <a:ext uri="{909E8E84-426E-40DD-AFC4-6F175D3DCCD1}">
+              <a14:hiddenFill xmlns:a14="http://schemas.microsoft.com/office/drawing/2010/main">
+                <a:solidFill>
+                  <a:srgbClr val="FFFFFF"/>
+                </a:solidFill>
+              </a14:hiddenFill>
+            </a:ext>
+            <a:ext uri="{91240B29-F687-4F45-9708-019B960494DF}">
+              <a14:hiddenLine xmlns:a14="http://schemas.microsoft.com/office/drawing/2010/main" w="9525">
+                <a:solidFill>
+                  <a:srgbClr val="000000"/>
+                </a:solidFill>
+                <a:miter lim="800000"/>
+                <a:headEnd/>
+                <a:tailEnd/>
+              </a14:hiddenLine>
+            </a:ext>
+          </a:extLst>
+        </p:spPr>
+        <p:txBody>
+          <a:bodyPr/>
+          <a:lstStyle>
+            <a:lvl1pPr>
+              <a:spcBef>
+                <a:spcPct val="20000"/>
+              </a:spcBef>
+              <a:buSzPct val="80000"/>
+              <a:buFont typeface="Arial" panose="020B0604020202020204" pitchFamily="34" charset="0"/>
+              <a:buChar char="•"/>
+              <a:defRPr sz="2000">
+                <a:solidFill>
+                  <a:schemeClr val="bg1"/>
+                </a:solidFill>
+                <a:latin typeface="Arial" panose="020B0604020202020204" pitchFamily="34" charset="0"/>
+                <a:ea typeface="ＭＳ Ｐゴシック" panose="020B0600070205080204" pitchFamily="34" charset="-128"/>
+                <a:cs typeface="Century Gothic" panose="020B0502020202020204" pitchFamily="34" charset="0"/>
+              </a:defRPr>
+            </a:lvl1pPr>
+            <a:lvl2pPr marL="742950" indent="-285750">
+              <a:spcBef>
+                <a:spcPct val="20000"/>
+              </a:spcBef>
+              <a:buSzPct val="80000"/>
+              <a:buFont typeface="Courier New" panose="02070309020205020404" pitchFamily="49" charset="0"/>
+              <a:buChar char="o"/>
+              <a:defRPr>
+                <a:solidFill>
+                  <a:schemeClr val="bg1"/>
+                </a:solidFill>
+                <a:latin typeface="Arial" panose="020B0604020202020204" pitchFamily="34" charset="0"/>
+                <a:ea typeface="Arial" panose="020B0604020202020204" pitchFamily="34" charset="0"/>
+                <a:cs typeface="Century Gothic" panose="020B0502020202020204" pitchFamily="34" charset="0"/>
+              </a:defRPr>
+            </a:lvl2pPr>
+            <a:lvl3pPr marL="1143000" indent="-228600">
+              <a:spcBef>
+                <a:spcPct val="20000"/>
+              </a:spcBef>
+              <a:buFont typeface="Arial" panose="020B0604020202020204" pitchFamily="34" charset="0"/>
+              <a:buChar char="»"/>
+              <a:defRPr sz="1600">
+                <a:solidFill>
+                  <a:schemeClr val="bg1"/>
+                </a:solidFill>
+                <a:latin typeface="Arial" panose="020B0604020202020204" pitchFamily="34" charset="0"/>
+                <a:ea typeface="Arial" panose="020B0604020202020204" pitchFamily="34" charset="0"/>
+                <a:cs typeface="Century Gothic" panose="020B0502020202020204" pitchFamily="34" charset="0"/>
+              </a:defRPr>
+            </a:lvl3pPr>
+            <a:lvl4pPr marL="1600200" indent="-228600">
+              <a:spcBef>
+                <a:spcPct val="20000"/>
+              </a:spcBef>
+              <a:buFont typeface="Arial" panose="020B0604020202020204" pitchFamily="34" charset="0"/>
+              <a:buChar char="–"/>
+              <a:defRPr sz="1400">
+                <a:solidFill>
+                  <a:schemeClr val="bg1"/>
+                </a:solidFill>
+                <a:latin typeface="Arial" panose="020B0604020202020204" pitchFamily="34" charset="0"/>
+                <a:ea typeface="Arial" panose="020B0604020202020204" pitchFamily="34" charset="0"/>
+                <a:cs typeface="Century Gothic" panose="020B0502020202020204" pitchFamily="34" charset="0"/>
+              </a:defRPr>
+            </a:lvl4pPr>
+            <a:lvl5pPr marL="2057400" indent="-228600">
+              <a:spcBef>
+                <a:spcPct val="20000"/>
+              </a:spcBef>
+              <a:buFont typeface="Arial" panose="020B0604020202020204" pitchFamily="34" charset="0"/>
+              <a:buChar char="•"/>
+              <a:defRPr sz="1200">
+                <a:solidFill>
+                  <a:schemeClr val="bg1"/>
+                </a:solidFill>
+                <a:latin typeface="Arial" panose="020B0604020202020204" pitchFamily="34" charset="0"/>
+                <a:ea typeface="Arial" panose="020B0604020202020204" pitchFamily="34" charset="0"/>
+                <a:cs typeface="Century Gothic" panose="020B0502020202020204" pitchFamily="34" charset="0"/>
+              </a:defRPr>
+            </a:lvl5pPr>
+            <a:lvl6pPr marL="2514600" indent="-228600" eaLnBrk="0" fontAlgn="base" hangingPunct="0">
+              <a:spcBef>
+                <a:spcPct val="20000"/>
+              </a:spcBef>
+              <a:spcAft>
+                <a:spcPct val="0"/>
+              </a:spcAft>
+              <a:buFont typeface="Arial" panose="020B0604020202020204" pitchFamily="34" charset="0"/>
+              <a:buChar char="•"/>
+              <a:defRPr sz="1200">
+                <a:solidFill>
+                  <a:schemeClr val="bg1"/>
+                </a:solidFill>
+                <a:latin typeface="Arial" panose="020B0604020202020204" pitchFamily="34" charset="0"/>
+                <a:ea typeface="Arial" panose="020B0604020202020204" pitchFamily="34" charset="0"/>
+                <a:cs typeface="Century Gothic" panose="020B0502020202020204" pitchFamily="34" charset="0"/>
+              </a:defRPr>
+            </a:lvl6pPr>
+            <a:lvl7pPr marL="2971800" indent="-228600" eaLnBrk="0" fontAlgn="base" hangingPunct="0">
+              <a:spcBef>
+                <a:spcPct val="20000"/>
+              </a:spcBef>
+              <a:spcAft>
+                <a:spcPct val="0"/>
+              </a:spcAft>
+              <a:buFont typeface="Arial" panose="020B0604020202020204" pitchFamily="34" charset="0"/>
+              <a:buChar char="•"/>
+              <a:defRPr sz="1200">
+                <a:solidFill>
+                  <a:schemeClr val="bg1"/>
+                </a:solidFill>
+                <a:latin typeface="Arial" panose="020B0604020202020204" pitchFamily="34" charset="0"/>
+                <a:ea typeface="Arial" panose="020B0604020202020204" pitchFamily="34" charset="0"/>
+                <a:cs typeface="Century Gothic" panose="020B0502020202020204" pitchFamily="34" charset="0"/>
+              </a:defRPr>
+            </a:lvl7pPr>
+            <a:lvl8pPr marL="3429000" indent="-228600" eaLnBrk="0" fontAlgn="base" hangingPunct="0">
+              <a:spcBef>
+                <a:spcPct val="20000"/>
+              </a:spcBef>
+              <a:spcAft>
+                <a:spcPct val="0"/>
+              </a:spcAft>
+              <a:buFont typeface="Arial" panose="020B0604020202020204" pitchFamily="34" charset="0"/>
+              <a:buChar char="•"/>
+              <a:defRPr sz="1200">
+                <a:solidFill>
+                  <a:schemeClr val="bg1"/>
+                </a:solidFill>
+                <a:latin typeface="Arial" panose="020B0604020202020204" pitchFamily="34" charset="0"/>
+                <a:ea typeface="Arial" panose="020B0604020202020204" pitchFamily="34" charset="0"/>
+                <a:cs typeface="Century Gothic" panose="020B0502020202020204" pitchFamily="34" charset="0"/>
+              </a:defRPr>
+            </a:lvl8pPr>
+            <a:lvl9pPr marL="3886200" indent="-228600" eaLnBrk="0" fontAlgn="base" hangingPunct="0">
+              <a:spcBef>
+                <a:spcPct val="20000"/>
+              </a:spcBef>
+              <a:spcAft>
+                <a:spcPct val="0"/>
+              </a:spcAft>
+              <a:buFont typeface="Arial" panose="020B0604020202020204" pitchFamily="34" charset="0"/>
+              <a:buChar char="•"/>
+              <a:defRPr sz="1200">
+                <a:solidFill>
+                  <a:schemeClr val="bg1"/>
+                </a:solidFill>
+                <a:latin typeface="Arial" panose="020B0604020202020204" pitchFamily="34" charset="0"/>
+                <a:ea typeface="Arial" panose="020B0604020202020204" pitchFamily="34" charset="0"/>
+                <a:cs typeface="Century Gothic" panose="020B0502020202020204" pitchFamily="34" charset="0"/>
+              </a:defRPr>
+            </a:lvl9pPr>
+          </a:lstStyle>
+          <a:p>
+            <a:pPr marL="285750" indent="-285750">
+              <a:spcBef>
+                <a:spcPct val="0"/>
+              </a:spcBef>
+              <a:buSzTx/>
+              <a:buFont typeface="Courier New" panose="02070309020205020404" pitchFamily="49" charset="0"/>
+              <a:buChar char="o"/>
+            </a:pPr>
+            <a:r>
+              <a:rPr lang="en-US" altLang="en-US" sz="1100" dirty="0">
+                <a:solidFill>
+                  <a:schemeClr val="accent3"/>
+                </a:solidFill>
+                <a:latin typeface="Cambria Math" panose="02040503050406030204" pitchFamily="18" charset="0"/>
+                <a:ea typeface="Cambria Math" panose="02040503050406030204" pitchFamily="18" charset="0"/>
+                <a:cs typeface="Tahoma" panose="020B0604030504040204" pitchFamily="34" charset="0"/>
+              </a:rPr>
+              <a:t>TotalSales</a:t>
+            </a:r>
+          </a:p>
+          <a:p>
+            <a:pPr marL="285750" indent="-285750">
+              <a:spcBef>
+                <a:spcPct val="0"/>
+              </a:spcBef>
+              <a:buSzTx/>
+              <a:buFont typeface="Courier New" panose="02070309020205020404" pitchFamily="49" charset="0"/>
+              <a:buChar char="o"/>
+            </a:pPr>
+            <a:endParaRPr lang="en-US" altLang="en-US" sz="200" dirty="0">
+              <a:solidFill>
+                <a:schemeClr val="accent3"/>
+              </a:solidFill>
+              <a:latin typeface="Cambria Math" panose="02040503050406030204" pitchFamily="18" charset="0"/>
+              <a:ea typeface="Cambria Math" panose="02040503050406030204" pitchFamily="18" charset="0"/>
+              <a:cs typeface="Tahoma" panose="020B0604030504040204" pitchFamily="34" charset="0"/>
+            </a:endParaRPr>
+          </a:p>
+          <a:p>
+            <a:pPr marL="285750" indent="-285750">
+              <a:spcBef>
+                <a:spcPct val="0"/>
+              </a:spcBef>
+              <a:buSzTx/>
+              <a:buFont typeface="Courier New" panose="02070309020205020404" pitchFamily="49" charset="0"/>
+              <a:buChar char="o"/>
+            </a:pPr>
+            <a:r>
+              <a:rPr lang="en-US" altLang="en-US" sz="1100" dirty="0">
+                <a:solidFill>
+                  <a:schemeClr val="accent3"/>
+                </a:solidFill>
+                <a:latin typeface="Cambria Math" panose="02040503050406030204" pitchFamily="18" charset="0"/>
+                <a:ea typeface="Cambria Math" panose="02040503050406030204" pitchFamily="18" charset="0"/>
+                <a:cs typeface="Tahoma" panose="020B0604030504040204" pitchFamily="34" charset="0"/>
+              </a:rPr>
+              <a:t>filteredData</a:t>
+            </a:r>
+          </a:p>
+          <a:p>
+            <a:pPr marL="285750" indent="-285750">
+              <a:spcBef>
+                <a:spcPct val="0"/>
+              </a:spcBef>
+              <a:buSzTx/>
+              <a:buFont typeface="Courier New" panose="02070309020205020404" pitchFamily="49" charset="0"/>
+              <a:buChar char="o"/>
+            </a:pPr>
+            <a:endParaRPr lang="en-US" altLang="en-US" sz="200" dirty="0">
+              <a:solidFill>
+                <a:schemeClr val="accent3"/>
+              </a:solidFill>
+              <a:latin typeface="Cambria Math" panose="02040503050406030204" pitchFamily="18" charset="0"/>
+              <a:ea typeface="Cambria Math" panose="02040503050406030204" pitchFamily="18" charset="0"/>
+              <a:cs typeface="Tahoma" panose="020B0604030504040204" pitchFamily="34" charset="0"/>
+            </a:endParaRPr>
+          </a:p>
+          <a:p>
+            <a:pPr marL="285750" indent="-285750">
+              <a:spcBef>
+                <a:spcPct val="0"/>
+              </a:spcBef>
+              <a:buSzTx/>
+              <a:buFont typeface="Courier New" panose="02070309020205020404" pitchFamily="49" charset="0"/>
+              <a:buChar char="o"/>
+            </a:pPr>
+            <a:r>
+              <a:rPr lang="en-US" altLang="en-US" sz="1100" dirty="0">
+                <a:solidFill>
+                  <a:schemeClr val="accent3"/>
+                </a:solidFill>
+                <a:latin typeface="Cambria Math" panose="02040503050406030204" pitchFamily="18" charset="0"/>
+                <a:ea typeface="Cambria Math" panose="02040503050406030204" pitchFamily="18" charset="0"/>
+                <a:cs typeface="Tahoma" panose="020B0604030504040204" pitchFamily="34" charset="0"/>
+              </a:rPr>
+              <a:t>sales_summary</a:t>
+            </a:r>
+          </a:p>
+          <a:p>
+            <a:pPr marL="285750" indent="-285750">
+              <a:spcBef>
+                <a:spcPct val="0"/>
+              </a:spcBef>
+              <a:buSzTx/>
+              <a:buFont typeface="Courier New" panose="02070309020205020404" pitchFamily="49" charset="0"/>
+              <a:buChar char="o"/>
+            </a:pPr>
+            <a:endParaRPr lang="en-US" altLang="en-US" sz="200" dirty="0">
+              <a:solidFill>
+                <a:schemeClr val="accent3"/>
+              </a:solidFill>
+              <a:latin typeface="Cambria Math" panose="02040503050406030204" pitchFamily="18" charset="0"/>
+              <a:ea typeface="Cambria Math" panose="02040503050406030204" pitchFamily="18" charset="0"/>
+              <a:cs typeface="Tahoma" panose="020B0604030504040204" pitchFamily="34" charset="0"/>
+            </a:endParaRPr>
+          </a:p>
+          <a:p>
+            <a:pPr marL="285750" indent="-285750">
+              <a:spcBef>
+                <a:spcPct val="0"/>
+              </a:spcBef>
+              <a:buSzTx/>
+              <a:buFont typeface="Courier New" panose="02070309020205020404" pitchFamily="49" charset="0"/>
+              <a:buChar char="o"/>
+            </a:pPr>
+            <a:r>
+              <a:rPr lang="en-US" altLang="en-US" sz="1100" dirty="0">
+                <a:solidFill>
+                  <a:schemeClr val="accent3"/>
+                </a:solidFill>
+                <a:latin typeface="Cambria Math" panose="02040503050406030204" pitchFamily="18" charset="0"/>
+                <a:ea typeface="Cambria Math" panose="02040503050406030204" pitchFamily="18" charset="0"/>
+                <a:cs typeface="Tahoma" panose="020B0604030504040204" pitchFamily="34" charset="0"/>
+              </a:rPr>
+              <a:t>CustomerList2025</a:t>
+            </a:r>
+            <a:endParaRPr lang="en-GB" altLang="en-US" sz="1100" dirty="0">
+              <a:solidFill>
+                <a:schemeClr val="accent3"/>
+              </a:solidFill>
+              <a:latin typeface="Cambria Math" panose="02040503050406030204" pitchFamily="18" charset="0"/>
+              <a:ea typeface="Cambria Math" panose="02040503050406030204" pitchFamily="18" charset="0"/>
+              <a:cs typeface="Tahoma" panose="020B0604030504040204" pitchFamily="34" charset="0"/>
+            </a:endParaRPr>
+          </a:p>
+        </p:txBody>
+      </p:sp>
+      <p:sp>
+        <p:nvSpPr>
+          <p:cNvPr id="6" name="Title 3">
+            <a:extLst>
+              <a:ext uri="{FF2B5EF4-FFF2-40B4-BE49-F238E27FC236}">
+                <a16:creationId xmlns:a16="http://schemas.microsoft.com/office/drawing/2014/main" id="{6E2FFC9F-1792-9EE8-75D5-EE4B09744CDC}"/>
+              </a:ext>
+            </a:extLst>
+          </p:cNvPr>
+          <p:cNvSpPr txBox="1">
+            <a:spLocks/>
+          </p:cNvSpPr>
+          <p:nvPr/>
+        </p:nvSpPr>
+        <p:spPr bwMode="auto">
+          <a:xfrm>
+            <a:off x="847509" y="2680093"/>
+            <a:ext cx="2622521" cy="463063"/>
+          </a:xfrm>
+          <a:prstGeom prst="rect">
+            <a:avLst/>
+          </a:prstGeom>
+          <a:noFill/>
+          <a:ln>
+            <a:noFill/>
+          </a:ln>
+          <a:extLst>
+            <a:ext uri="{909E8E84-426E-40DD-AFC4-6F175D3DCCD1}">
+              <a14:hiddenFill xmlns:a14="http://schemas.microsoft.com/office/drawing/2010/main">
+                <a:solidFill>
+                  <a:srgbClr val="FFFFFF"/>
+                </a:solidFill>
+              </a14:hiddenFill>
+            </a:ext>
+            <a:ext uri="{91240B29-F687-4F45-9708-019B960494DF}">
+              <a14:hiddenLine xmlns:a14="http://schemas.microsoft.com/office/drawing/2010/main" w="9525">
+                <a:solidFill>
+                  <a:srgbClr val="000000"/>
+                </a:solidFill>
+                <a:miter lim="800000"/>
+                <a:headEnd/>
+                <a:tailEnd/>
+              </a14:hiddenLine>
+            </a:ext>
+          </a:extLst>
+        </p:spPr>
+        <p:txBody>
+          <a:bodyPr/>
+          <a:lstStyle>
+            <a:lvl1pPr>
+              <a:spcBef>
+                <a:spcPct val="20000"/>
+              </a:spcBef>
+              <a:buSzPct val="80000"/>
+              <a:buFont typeface="Arial" panose="020B0604020202020204" pitchFamily="34" charset="0"/>
+              <a:buChar char="•"/>
+              <a:defRPr sz="2000">
+                <a:solidFill>
+                  <a:schemeClr val="bg1"/>
+                </a:solidFill>
+                <a:latin typeface="Arial" panose="020B0604020202020204" pitchFamily="34" charset="0"/>
+                <a:ea typeface="ＭＳ Ｐゴシック" panose="020B0600070205080204" pitchFamily="34" charset="-128"/>
+                <a:cs typeface="Century Gothic" panose="020B0502020202020204" pitchFamily="34" charset="0"/>
+              </a:defRPr>
+            </a:lvl1pPr>
+            <a:lvl2pPr marL="742950" indent="-285750">
+              <a:spcBef>
+                <a:spcPct val="20000"/>
+              </a:spcBef>
+              <a:buSzPct val="80000"/>
+              <a:buFont typeface="Courier New" panose="02070309020205020404" pitchFamily="49" charset="0"/>
+              <a:buChar char="o"/>
+              <a:defRPr>
+                <a:solidFill>
+                  <a:schemeClr val="bg1"/>
+                </a:solidFill>
+                <a:latin typeface="Arial" panose="020B0604020202020204" pitchFamily="34" charset="0"/>
+                <a:ea typeface="Arial" panose="020B0604020202020204" pitchFamily="34" charset="0"/>
+                <a:cs typeface="Century Gothic" panose="020B0502020202020204" pitchFamily="34" charset="0"/>
+              </a:defRPr>
+            </a:lvl2pPr>
+            <a:lvl3pPr marL="1143000" indent="-228600">
+              <a:spcBef>
+                <a:spcPct val="20000"/>
+              </a:spcBef>
+              <a:buFont typeface="Arial" panose="020B0604020202020204" pitchFamily="34" charset="0"/>
+              <a:buChar char="»"/>
+              <a:defRPr sz="1600">
+                <a:solidFill>
+                  <a:schemeClr val="bg1"/>
+                </a:solidFill>
+                <a:latin typeface="Arial" panose="020B0604020202020204" pitchFamily="34" charset="0"/>
+                <a:ea typeface="Arial" panose="020B0604020202020204" pitchFamily="34" charset="0"/>
+                <a:cs typeface="Century Gothic" panose="020B0502020202020204" pitchFamily="34" charset="0"/>
+              </a:defRPr>
+            </a:lvl3pPr>
+            <a:lvl4pPr marL="1600200" indent="-228600">
+              <a:spcBef>
+                <a:spcPct val="20000"/>
+              </a:spcBef>
+              <a:buFont typeface="Arial" panose="020B0604020202020204" pitchFamily="34" charset="0"/>
+              <a:buChar char="–"/>
+              <a:defRPr sz="1400">
+                <a:solidFill>
+                  <a:schemeClr val="bg1"/>
+                </a:solidFill>
+                <a:latin typeface="Arial" panose="020B0604020202020204" pitchFamily="34" charset="0"/>
+                <a:ea typeface="Arial" panose="020B0604020202020204" pitchFamily="34" charset="0"/>
+                <a:cs typeface="Century Gothic" panose="020B0502020202020204" pitchFamily="34" charset="0"/>
+              </a:defRPr>
+            </a:lvl4pPr>
+            <a:lvl5pPr marL="2057400" indent="-228600">
+              <a:spcBef>
+                <a:spcPct val="20000"/>
+              </a:spcBef>
+              <a:buFont typeface="Arial" panose="020B0604020202020204" pitchFamily="34" charset="0"/>
+              <a:buChar char="•"/>
+              <a:defRPr sz="1200">
+                <a:solidFill>
+                  <a:schemeClr val="bg1"/>
+                </a:solidFill>
+                <a:latin typeface="Arial" panose="020B0604020202020204" pitchFamily="34" charset="0"/>
+                <a:ea typeface="Arial" panose="020B0604020202020204" pitchFamily="34" charset="0"/>
+                <a:cs typeface="Century Gothic" panose="020B0502020202020204" pitchFamily="34" charset="0"/>
+              </a:defRPr>
+            </a:lvl5pPr>
+            <a:lvl6pPr marL="2514600" indent="-228600" eaLnBrk="0" fontAlgn="base" hangingPunct="0">
+              <a:spcBef>
+                <a:spcPct val="20000"/>
+              </a:spcBef>
+              <a:spcAft>
+                <a:spcPct val="0"/>
+              </a:spcAft>
+              <a:buFont typeface="Arial" panose="020B0604020202020204" pitchFamily="34" charset="0"/>
+              <a:buChar char="•"/>
+              <a:defRPr sz="1200">
+                <a:solidFill>
+                  <a:schemeClr val="bg1"/>
+                </a:solidFill>
+                <a:latin typeface="Arial" panose="020B0604020202020204" pitchFamily="34" charset="0"/>
+                <a:ea typeface="Arial" panose="020B0604020202020204" pitchFamily="34" charset="0"/>
+                <a:cs typeface="Century Gothic" panose="020B0502020202020204" pitchFamily="34" charset="0"/>
+              </a:defRPr>
+            </a:lvl6pPr>
+            <a:lvl7pPr marL="2971800" indent="-228600" eaLnBrk="0" fontAlgn="base" hangingPunct="0">
+              <a:spcBef>
+                <a:spcPct val="20000"/>
+              </a:spcBef>
+              <a:spcAft>
+                <a:spcPct val="0"/>
+              </a:spcAft>
+              <a:buFont typeface="Arial" panose="020B0604020202020204" pitchFamily="34" charset="0"/>
+              <a:buChar char="•"/>
+              <a:defRPr sz="1200">
+                <a:solidFill>
+                  <a:schemeClr val="bg1"/>
+                </a:solidFill>
+                <a:latin typeface="Arial" panose="020B0604020202020204" pitchFamily="34" charset="0"/>
+                <a:ea typeface="Arial" panose="020B0604020202020204" pitchFamily="34" charset="0"/>
+                <a:cs typeface="Century Gothic" panose="020B0502020202020204" pitchFamily="34" charset="0"/>
+              </a:defRPr>
+            </a:lvl7pPr>
+            <a:lvl8pPr marL="3429000" indent="-228600" eaLnBrk="0" fontAlgn="base" hangingPunct="0">
+              <a:spcBef>
+                <a:spcPct val="20000"/>
+              </a:spcBef>
+              <a:spcAft>
+                <a:spcPct val="0"/>
+              </a:spcAft>
+              <a:buFont typeface="Arial" panose="020B0604020202020204" pitchFamily="34" charset="0"/>
+              <a:buChar char="•"/>
+              <a:defRPr sz="1200">
+                <a:solidFill>
+                  <a:schemeClr val="bg1"/>
+                </a:solidFill>
+                <a:latin typeface="Arial" panose="020B0604020202020204" pitchFamily="34" charset="0"/>
+                <a:ea typeface="Arial" panose="020B0604020202020204" pitchFamily="34" charset="0"/>
+                <a:cs typeface="Century Gothic" panose="020B0502020202020204" pitchFamily="34" charset="0"/>
+              </a:defRPr>
+            </a:lvl8pPr>
+            <a:lvl9pPr marL="3886200" indent="-228600" eaLnBrk="0" fontAlgn="base" hangingPunct="0">
+              <a:spcBef>
+                <a:spcPct val="20000"/>
+              </a:spcBef>
+              <a:spcAft>
+                <a:spcPct val="0"/>
+              </a:spcAft>
+              <a:buFont typeface="Arial" panose="020B0604020202020204" pitchFamily="34" charset="0"/>
+              <a:buChar char="•"/>
+              <a:defRPr sz="1200">
+                <a:solidFill>
+                  <a:schemeClr val="bg1"/>
+                </a:solidFill>
+                <a:latin typeface="Arial" panose="020B0604020202020204" pitchFamily="34" charset="0"/>
+                <a:ea typeface="Arial" panose="020B0604020202020204" pitchFamily="34" charset="0"/>
+                <a:cs typeface="Century Gothic" panose="020B0502020202020204" pitchFamily="34" charset="0"/>
+              </a:defRPr>
+            </a:lvl9pPr>
+          </a:lstStyle>
+          <a:p>
+            <a:pPr lvl="1" indent="0">
+              <a:spcBef>
+                <a:spcPct val="0"/>
+              </a:spcBef>
+              <a:buSzTx/>
+              <a:buNone/>
+            </a:pPr>
+            <a:r>
+              <a:rPr lang="en-US" altLang="en-US" sz="1100" b="1" dirty="0">
+                <a:solidFill>
+                  <a:srgbClr val="669900"/>
+                </a:solidFill>
+                <a:latin typeface="Cambria" panose="02040503050406030204" pitchFamily="18" charset="0"/>
+                <a:ea typeface="Cambria" panose="02040503050406030204" pitchFamily="18" charset="0"/>
+                <a:cs typeface="Tahoma" panose="020B0604030504040204" pitchFamily="34" charset="0"/>
+              </a:rPr>
+              <a:t>Good Examples</a:t>
+            </a:r>
+            <a:endParaRPr lang="en-GB" altLang="en-US" sz="1100" b="1" dirty="0">
+              <a:solidFill>
+                <a:srgbClr val="669900"/>
+              </a:solidFill>
+              <a:latin typeface="Cambria" panose="02040503050406030204" pitchFamily="18" charset="0"/>
+              <a:ea typeface="Cambria" panose="02040503050406030204" pitchFamily="18" charset="0"/>
+              <a:cs typeface="Tahoma" panose="020B0604030504040204" pitchFamily="34" charset="0"/>
+            </a:endParaRPr>
+          </a:p>
+        </p:txBody>
+      </p:sp>
+      <p:sp>
+        <p:nvSpPr>
+          <p:cNvPr id="8" name="Title 3">
+            <a:extLst>
+              <a:ext uri="{FF2B5EF4-FFF2-40B4-BE49-F238E27FC236}">
+                <a16:creationId xmlns:a16="http://schemas.microsoft.com/office/drawing/2014/main" id="{21F7068E-27AE-617D-9451-CAAD0D872B79}"/>
+              </a:ext>
+            </a:extLst>
+          </p:cNvPr>
+          <p:cNvSpPr txBox="1">
+            <a:spLocks/>
+          </p:cNvSpPr>
+          <p:nvPr/>
+        </p:nvSpPr>
+        <p:spPr bwMode="auto">
+          <a:xfrm>
+            <a:off x="4301161" y="2963687"/>
+            <a:ext cx="3787762" cy="952160"/>
+          </a:xfrm>
+          <a:prstGeom prst="rect">
+            <a:avLst/>
+          </a:prstGeom>
+          <a:noFill/>
+          <a:ln>
+            <a:noFill/>
+          </a:ln>
+          <a:extLst>
+            <a:ext uri="{909E8E84-426E-40DD-AFC4-6F175D3DCCD1}">
+              <a14:hiddenFill xmlns:a14="http://schemas.microsoft.com/office/drawing/2010/main">
+                <a:solidFill>
+                  <a:srgbClr val="FFFFFF"/>
+                </a:solidFill>
+              </a14:hiddenFill>
+            </a:ext>
+            <a:ext uri="{91240B29-F687-4F45-9708-019B960494DF}">
+              <a14:hiddenLine xmlns:a14="http://schemas.microsoft.com/office/drawing/2010/main" w="9525">
+                <a:solidFill>
+                  <a:srgbClr val="000000"/>
+                </a:solidFill>
+                <a:miter lim="800000"/>
+                <a:headEnd/>
+                <a:tailEnd/>
+              </a14:hiddenLine>
+            </a:ext>
+          </a:extLst>
+        </p:spPr>
+        <p:txBody>
+          <a:bodyPr/>
+          <a:lstStyle>
+            <a:lvl1pPr>
+              <a:spcBef>
+                <a:spcPct val="20000"/>
+              </a:spcBef>
+              <a:buSzPct val="80000"/>
+              <a:buFont typeface="Arial" panose="020B0604020202020204" pitchFamily="34" charset="0"/>
+              <a:buChar char="•"/>
+              <a:defRPr sz="2000">
+                <a:solidFill>
+                  <a:schemeClr val="bg1"/>
+                </a:solidFill>
+                <a:latin typeface="Arial" panose="020B0604020202020204" pitchFamily="34" charset="0"/>
+                <a:ea typeface="ＭＳ Ｐゴシック" panose="020B0600070205080204" pitchFamily="34" charset="-128"/>
+                <a:cs typeface="Century Gothic" panose="020B0502020202020204" pitchFamily="34" charset="0"/>
+              </a:defRPr>
+            </a:lvl1pPr>
+            <a:lvl2pPr marL="742950" indent="-285750">
+              <a:spcBef>
+                <a:spcPct val="20000"/>
+              </a:spcBef>
+              <a:buSzPct val="80000"/>
+              <a:buFont typeface="Courier New" panose="02070309020205020404" pitchFamily="49" charset="0"/>
+              <a:buChar char="o"/>
+              <a:defRPr>
+                <a:solidFill>
+                  <a:schemeClr val="bg1"/>
+                </a:solidFill>
+                <a:latin typeface="Arial" panose="020B0604020202020204" pitchFamily="34" charset="0"/>
+                <a:ea typeface="Arial" panose="020B0604020202020204" pitchFamily="34" charset="0"/>
+                <a:cs typeface="Century Gothic" panose="020B0502020202020204" pitchFamily="34" charset="0"/>
+              </a:defRPr>
+            </a:lvl2pPr>
+            <a:lvl3pPr marL="1143000" indent="-228600">
+              <a:spcBef>
+                <a:spcPct val="20000"/>
+              </a:spcBef>
+              <a:buFont typeface="Arial" panose="020B0604020202020204" pitchFamily="34" charset="0"/>
+              <a:buChar char="»"/>
+              <a:defRPr sz="1600">
+                <a:solidFill>
+                  <a:schemeClr val="bg1"/>
+                </a:solidFill>
+                <a:latin typeface="Arial" panose="020B0604020202020204" pitchFamily="34" charset="0"/>
+                <a:ea typeface="Arial" panose="020B0604020202020204" pitchFamily="34" charset="0"/>
+                <a:cs typeface="Century Gothic" panose="020B0502020202020204" pitchFamily="34" charset="0"/>
+              </a:defRPr>
+            </a:lvl3pPr>
+            <a:lvl4pPr marL="1600200" indent="-228600">
+              <a:spcBef>
+                <a:spcPct val="20000"/>
+              </a:spcBef>
+              <a:buFont typeface="Arial" panose="020B0604020202020204" pitchFamily="34" charset="0"/>
+              <a:buChar char="–"/>
+              <a:defRPr sz="1400">
+                <a:solidFill>
+                  <a:schemeClr val="bg1"/>
+                </a:solidFill>
+                <a:latin typeface="Arial" panose="020B0604020202020204" pitchFamily="34" charset="0"/>
+                <a:ea typeface="Arial" panose="020B0604020202020204" pitchFamily="34" charset="0"/>
+                <a:cs typeface="Century Gothic" panose="020B0502020202020204" pitchFamily="34" charset="0"/>
+              </a:defRPr>
+            </a:lvl4pPr>
+            <a:lvl5pPr marL="2057400" indent="-228600">
+              <a:spcBef>
+                <a:spcPct val="20000"/>
+              </a:spcBef>
+              <a:buFont typeface="Arial" panose="020B0604020202020204" pitchFamily="34" charset="0"/>
+              <a:buChar char="•"/>
+              <a:defRPr sz="1200">
+                <a:solidFill>
+                  <a:schemeClr val="bg1"/>
+                </a:solidFill>
+                <a:latin typeface="Arial" panose="020B0604020202020204" pitchFamily="34" charset="0"/>
+                <a:ea typeface="Arial" panose="020B0604020202020204" pitchFamily="34" charset="0"/>
+                <a:cs typeface="Century Gothic" panose="020B0502020202020204" pitchFamily="34" charset="0"/>
+              </a:defRPr>
+            </a:lvl5pPr>
+            <a:lvl6pPr marL="2514600" indent="-228600" eaLnBrk="0" fontAlgn="base" hangingPunct="0">
+              <a:spcBef>
+                <a:spcPct val="20000"/>
+              </a:spcBef>
+              <a:spcAft>
+                <a:spcPct val="0"/>
+              </a:spcAft>
+              <a:buFont typeface="Arial" panose="020B0604020202020204" pitchFamily="34" charset="0"/>
+              <a:buChar char="•"/>
+              <a:defRPr sz="1200">
+                <a:solidFill>
+                  <a:schemeClr val="bg1"/>
+                </a:solidFill>
+                <a:latin typeface="Arial" panose="020B0604020202020204" pitchFamily="34" charset="0"/>
+                <a:ea typeface="Arial" panose="020B0604020202020204" pitchFamily="34" charset="0"/>
+                <a:cs typeface="Century Gothic" panose="020B0502020202020204" pitchFamily="34" charset="0"/>
+              </a:defRPr>
+            </a:lvl6pPr>
+            <a:lvl7pPr marL="2971800" indent="-228600" eaLnBrk="0" fontAlgn="base" hangingPunct="0">
+              <a:spcBef>
+                <a:spcPct val="20000"/>
+              </a:spcBef>
+              <a:spcAft>
+                <a:spcPct val="0"/>
+              </a:spcAft>
+              <a:buFont typeface="Arial" panose="020B0604020202020204" pitchFamily="34" charset="0"/>
+              <a:buChar char="•"/>
+              <a:defRPr sz="1200">
+                <a:solidFill>
+                  <a:schemeClr val="bg1"/>
+                </a:solidFill>
+                <a:latin typeface="Arial" panose="020B0604020202020204" pitchFamily="34" charset="0"/>
+                <a:ea typeface="Arial" panose="020B0604020202020204" pitchFamily="34" charset="0"/>
+                <a:cs typeface="Century Gothic" panose="020B0502020202020204" pitchFamily="34" charset="0"/>
+              </a:defRPr>
+            </a:lvl7pPr>
+            <a:lvl8pPr marL="3429000" indent="-228600" eaLnBrk="0" fontAlgn="base" hangingPunct="0">
+              <a:spcBef>
+                <a:spcPct val="20000"/>
+              </a:spcBef>
+              <a:spcAft>
+                <a:spcPct val="0"/>
+              </a:spcAft>
+              <a:buFont typeface="Arial" panose="020B0604020202020204" pitchFamily="34" charset="0"/>
+              <a:buChar char="•"/>
+              <a:defRPr sz="1200">
+                <a:solidFill>
+                  <a:schemeClr val="bg1"/>
+                </a:solidFill>
+                <a:latin typeface="Arial" panose="020B0604020202020204" pitchFamily="34" charset="0"/>
+                <a:ea typeface="Arial" panose="020B0604020202020204" pitchFamily="34" charset="0"/>
+                <a:cs typeface="Century Gothic" panose="020B0502020202020204" pitchFamily="34" charset="0"/>
+              </a:defRPr>
+            </a:lvl8pPr>
+            <a:lvl9pPr marL="3886200" indent="-228600" eaLnBrk="0" fontAlgn="base" hangingPunct="0">
+              <a:spcBef>
+                <a:spcPct val="20000"/>
+              </a:spcBef>
+              <a:spcAft>
+                <a:spcPct val="0"/>
+              </a:spcAft>
+              <a:buFont typeface="Arial" panose="020B0604020202020204" pitchFamily="34" charset="0"/>
+              <a:buChar char="•"/>
+              <a:defRPr sz="1200">
+                <a:solidFill>
+                  <a:schemeClr val="bg1"/>
+                </a:solidFill>
+                <a:latin typeface="Arial" panose="020B0604020202020204" pitchFamily="34" charset="0"/>
+                <a:ea typeface="Arial" panose="020B0604020202020204" pitchFamily="34" charset="0"/>
+                <a:cs typeface="Century Gothic" panose="020B0502020202020204" pitchFamily="34" charset="0"/>
+              </a:defRPr>
+            </a:lvl9pPr>
+          </a:lstStyle>
+          <a:p>
+            <a:pPr marL="285750" indent="-285750">
+              <a:spcBef>
+                <a:spcPct val="0"/>
+              </a:spcBef>
+              <a:buSzTx/>
+              <a:buFont typeface="Courier New" panose="02070309020205020404" pitchFamily="49" charset="0"/>
+              <a:buChar char="o"/>
+            </a:pPr>
+            <a:r>
+              <a:rPr lang="en-US" altLang="en-US" sz="1100" dirty="0">
+                <a:solidFill>
+                  <a:srgbClr val="CC0000"/>
+                </a:solidFill>
+                <a:latin typeface="Cambria Math" panose="02040503050406030204" pitchFamily="18" charset="0"/>
+                <a:ea typeface="Cambria Math" panose="02040503050406030204" pitchFamily="18" charset="0"/>
+                <a:cs typeface="Tahoma" panose="020B0604030504040204" pitchFamily="34" charset="0"/>
+              </a:rPr>
+              <a:t>total sales	(space)</a:t>
+            </a:r>
+          </a:p>
+          <a:p>
+            <a:pPr marL="285750" indent="-285750">
+              <a:spcBef>
+                <a:spcPct val="0"/>
+              </a:spcBef>
+              <a:buSzTx/>
+              <a:buFont typeface="Courier New" panose="02070309020205020404" pitchFamily="49" charset="0"/>
+              <a:buChar char="o"/>
+            </a:pPr>
+            <a:endParaRPr lang="en-US" altLang="en-US" sz="200" dirty="0">
+              <a:solidFill>
+                <a:srgbClr val="CC0000"/>
+              </a:solidFill>
+              <a:latin typeface="Cambria Math" panose="02040503050406030204" pitchFamily="18" charset="0"/>
+              <a:ea typeface="Cambria Math" panose="02040503050406030204" pitchFamily="18" charset="0"/>
+              <a:cs typeface="Tahoma" panose="020B0604030504040204" pitchFamily="34" charset="0"/>
+            </a:endParaRPr>
+          </a:p>
+          <a:p>
+            <a:pPr marL="285750" indent="-285750">
+              <a:spcBef>
+                <a:spcPct val="0"/>
+              </a:spcBef>
+              <a:buSzTx/>
+              <a:buFont typeface="Courier New" panose="02070309020205020404" pitchFamily="49" charset="0"/>
+              <a:buChar char="o"/>
+            </a:pPr>
+            <a:r>
+              <a:rPr lang="en-US" altLang="en-US" sz="1100" dirty="0">
+                <a:solidFill>
+                  <a:srgbClr val="CC0000"/>
+                </a:solidFill>
+                <a:latin typeface="Cambria Math" panose="02040503050406030204" pitchFamily="18" charset="0"/>
+                <a:ea typeface="Cambria Math" panose="02040503050406030204" pitchFamily="18" charset="0"/>
+                <a:cs typeface="Tahoma" panose="020B0604030504040204" pitchFamily="34" charset="0"/>
+              </a:rPr>
+              <a:t>123_records	(starts with number)</a:t>
+            </a:r>
+          </a:p>
+          <a:p>
+            <a:pPr marL="285750" indent="-285750">
+              <a:spcBef>
+                <a:spcPct val="0"/>
+              </a:spcBef>
+              <a:buSzTx/>
+              <a:buFont typeface="Courier New" panose="02070309020205020404" pitchFamily="49" charset="0"/>
+              <a:buChar char="o"/>
+            </a:pPr>
+            <a:endParaRPr lang="en-US" altLang="en-US" sz="200" dirty="0">
+              <a:solidFill>
+                <a:srgbClr val="CC0000"/>
+              </a:solidFill>
+              <a:latin typeface="Cambria Math" panose="02040503050406030204" pitchFamily="18" charset="0"/>
+              <a:ea typeface="Cambria Math" panose="02040503050406030204" pitchFamily="18" charset="0"/>
+              <a:cs typeface="Tahoma" panose="020B0604030504040204" pitchFamily="34" charset="0"/>
+            </a:endParaRPr>
+          </a:p>
+          <a:p>
+            <a:pPr marL="285750" indent="-285750">
+              <a:spcBef>
+                <a:spcPct val="0"/>
+              </a:spcBef>
+              <a:buSzTx/>
+              <a:buFont typeface="Courier New" panose="02070309020205020404" pitchFamily="49" charset="0"/>
+              <a:buChar char="o"/>
+            </a:pPr>
+            <a:r>
+              <a:rPr lang="en-US" altLang="en-US" sz="1100" dirty="0">
+                <a:solidFill>
+                  <a:srgbClr val="CC0000"/>
+                </a:solidFill>
+                <a:latin typeface="Cambria Math" panose="02040503050406030204" pitchFamily="18" charset="0"/>
+                <a:ea typeface="Cambria Math" panose="02040503050406030204" pitchFamily="18" charset="0"/>
+                <a:cs typeface="Tahoma" panose="020B0604030504040204" pitchFamily="34" charset="0"/>
+              </a:rPr>
+              <a:t>let		(reserved word)</a:t>
+            </a:r>
+            <a:endParaRPr lang="en-GB" altLang="en-US" sz="1100" dirty="0">
+              <a:solidFill>
+                <a:srgbClr val="CC0000"/>
+              </a:solidFill>
+              <a:latin typeface="Cambria Math" panose="02040503050406030204" pitchFamily="18" charset="0"/>
+              <a:ea typeface="Cambria Math" panose="02040503050406030204" pitchFamily="18" charset="0"/>
+              <a:cs typeface="Tahoma" panose="020B0604030504040204" pitchFamily="34" charset="0"/>
+            </a:endParaRPr>
+          </a:p>
+        </p:txBody>
+      </p:sp>
+      <p:sp>
+        <p:nvSpPr>
+          <p:cNvPr id="9" name="Title 3">
+            <a:extLst>
+              <a:ext uri="{FF2B5EF4-FFF2-40B4-BE49-F238E27FC236}">
+                <a16:creationId xmlns:a16="http://schemas.microsoft.com/office/drawing/2014/main" id="{6EF78141-5263-064C-B03E-B35560FCBFF6}"/>
+              </a:ext>
+            </a:extLst>
+          </p:cNvPr>
+          <p:cNvSpPr txBox="1">
+            <a:spLocks/>
+          </p:cNvSpPr>
+          <p:nvPr/>
+        </p:nvSpPr>
+        <p:spPr bwMode="auto">
+          <a:xfrm>
+            <a:off x="3470030" y="2680093"/>
+            <a:ext cx="2622521" cy="463063"/>
+          </a:xfrm>
+          <a:prstGeom prst="rect">
+            <a:avLst/>
+          </a:prstGeom>
+          <a:noFill/>
+          <a:ln>
+            <a:noFill/>
+          </a:ln>
+          <a:extLst>
+            <a:ext uri="{909E8E84-426E-40DD-AFC4-6F175D3DCCD1}">
+              <a14:hiddenFill xmlns:a14="http://schemas.microsoft.com/office/drawing/2010/main">
+                <a:solidFill>
+                  <a:srgbClr val="FFFFFF"/>
+                </a:solidFill>
+              </a14:hiddenFill>
+            </a:ext>
+            <a:ext uri="{91240B29-F687-4F45-9708-019B960494DF}">
+              <a14:hiddenLine xmlns:a14="http://schemas.microsoft.com/office/drawing/2010/main" w="9525">
+                <a:solidFill>
+                  <a:srgbClr val="000000"/>
+                </a:solidFill>
+                <a:miter lim="800000"/>
+                <a:headEnd/>
+                <a:tailEnd/>
+              </a14:hiddenLine>
+            </a:ext>
+          </a:extLst>
+        </p:spPr>
+        <p:txBody>
+          <a:bodyPr/>
+          <a:lstStyle>
+            <a:lvl1pPr>
+              <a:spcBef>
+                <a:spcPct val="20000"/>
+              </a:spcBef>
+              <a:buSzPct val="80000"/>
+              <a:buFont typeface="Arial" panose="020B0604020202020204" pitchFamily="34" charset="0"/>
+              <a:buChar char="•"/>
+              <a:defRPr sz="2000">
+                <a:solidFill>
+                  <a:schemeClr val="bg1"/>
+                </a:solidFill>
+                <a:latin typeface="Arial" panose="020B0604020202020204" pitchFamily="34" charset="0"/>
+                <a:ea typeface="ＭＳ Ｐゴシック" panose="020B0600070205080204" pitchFamily="34" charset="-128"/>
+                <a:cs typeface="Century Gothic" panose="020B0502020202020204" pitchFamily="34" charset="0"/>
+              </a:defRPr>
+            </a:lvl1pPr>
+            <a:lvl2pPr marL="742950" indent="-285750">
+              <a:spcBef>
+                <a:spcPct val="20000"/>
+              </a:spcBef>
+              <a:buSzPct val="80000"/>
+              <a:buFont typeface="Courier New" panose="02070309020205020404" pitchFamily="49" charset="0"/>
+              <a:buChar char="o"/>
+              <a:defRPr>
+                <a:solidFill>
+                  <a:schemeClr val="bg1"/>
+                </a:solidFill>
+                <a:latin typeface="Arial" panose="020B0604020202020204" pitchFamily="34" charset="0"/>
+                <a:ea typeface="Arial" panose="020B0604020202020204" pitchFamily="34" charset="0"/>
+                <a:cs typeface="Century Gothic" panose="020B0502020202020204" pitchFamily="34" charset="0"/>
+              </a:defRPr>
+            </a:lvl2pPr>
+            <a:lvl3pPr marL="1143000" indent="-228600">
+              <a:spcBef>
+                <a:spcPct val="20000"/>
+              </a:spcBef>
+              <a:buFont typeface="Arial" panose="020B0604020202020204" pitchFamily="34" charset="0"/>
+              <a:buChar char="»"/>
+              <a:defRPr sz="1600">
+                <a:solidFill>
+                  <a:schemeClr val="bg1"/>
+                </a:solidFill>
+                <a:latin typeface="Arial" panose="020B0604020202020204" pitchFamily="34" charset="0"/>
+                <a:ea typeface="Arial" panose="020B0604020202020204" pitchFamily="34" charset="0"/>
+                <a:cs typeface="Century Gothic" panose="020B0502020202020204" pitchFamily="34" charset="0"/>
+              </a:defRPr>
+            </a:lvl3pPr>
+            <a:lvl4pPr marL="1600200" indent="-228600">
+              <a:spcBef>
+                <a:spcPct val="20000"/>
+              </a:spcBef>
+              <a:buFont typeface="Arial" panose="020B0604020202020204" pitchFamily="34" charset="0"/>
+              <a:buChar char="–"/>
+              <a:defRPr sz="1400">
+                <a:solidFill>
+                  <a:schemeClr val="bg1"/>
+                </a:solidFill>
+                <a:latin typeface="Arial" panose="020B0604020202020204" pitchFamily="34" charset="0"/>
+                <a:ea typeface="Arial" panose="020B0604020202020204" pitchFamily="34" charset="0"/>
+                <a:cs typeface="Century Gothic" panose="020B0502020202020204" pitchFamily="34" charset="0"/>
+              </a:defRPr>
+            </a:lvl4pPr>
+            <a:lvl5pPr marL="2057400" indent="-228600">
+              <a:spcBef>
+                <a:spcPct val="20000"/>
+              </a:spcBef>
+              <a:buFont typeface="Arial" panose="020B0604020202020204" pitchFamily="34" charset="0"/>
+              <a:buChar char="•"/>
+              <a:defRPr sz="1200">
+                <a:solidFill>
+                  <a:schemeClr val="bg1"/>
+                </a:solidFill>
+                <a:latin typeface="Arial" panose="020B0604020202020204" pitchFamily="34" charset="0"/>
+                <a:ea typeface="Arial" panose="020B0604020202020204" pitchFamily="34" charset="0"/>
+                <a:cs typeface="Century Gothic" panose="020B0502020202020204" pitchFamily="34" charset="0"/>
+              </a:defRPr>
+            </a:lvl5pPr>
+            <a:lvl6pPr marL="2514600" indent="-228600" eaLnBrk="0" fontAlgn="base" hangingPunct="0">
+              <a:spcBef>
+                <a:spcPct val="20000"/>
+              </a:spcBef>
+              <a:spcAft>
+                <a:spcPct val="0"/>
+              </a:spcAft>
+              <a:buFont typeface="Arial" panose="020B0604020202020204" pitchFamily="34" charset="0"/>
+              <a:buChar char="•"/>
+              <a:defRPr sz="1200">
+                <a:solidFill>
+                  <a:schemeClr val="bg1"/>
+                </a:solidFill>
+                <a:latin typeface="Arial" panose="020B0604020202020204" pitchFamily="34" charset="0"/>
+                <a:ea typeface="Arial" panose="020B0604020202020204" pitchFamily="34" charset="0"/>
+                <a:cs typeface="Century Gothic" panose="020B0502020202020204" pitchFamily="34" charset="0"/>
+              </a:defRPr>
+            </a:lvl6pPr>
+            <a:lvl7pPr marL="2971800" indent="-228600" eaLnBrk="0" fontAlgn="base" hangingPunct="0">
+              <a:spcBef>
+                <a:spcPct val="20000"/>
+              </a:spcBef>
+              <a:spcAft>
+                <a:spcPct val="0"/>
+              </a:spcAft>
+              <a:buFont typeface="Arial" panose="020B0604020202020204" pitchFamily="34" charset="0"/>
+              <a:buChar char="•"/>
+              <a:defRPr sz="1200">
+                <a:solidFill>
+                  <a:schemeClr val="bg1"/>
+                </a:solidFill>
+                <a:latin typeface="Arial" panose="020B0604020202020204" pitchFamily="34" charset="0"/>
+                <a:ea typeface="Arial" panose="020B0604020202020204" pitchFamily="34" charset="0"/>
+                <a:cs typeface="Century Gothic" panose="020B0502020202020204" pitchFamily="34" charset="0"/>
+              </a:defRPr>
+            </a:lvl7pPr>
+            <a:lvl8pPr marL="3429000" indent="-228600" eaLnBrk="0" fontAlgn="base" hangingPunct="0">
+              <a:spcBef>
+                <a:spcPct val="20000"/>
+              </a:spcBef>
+              <a:spcAft>
+                <a:spcPct val="0"/>
+              </a:spcAft>
+              <a:buFont typeface="Arial" panose="020B0604020202020204" pitchFamily="34" charset="0"/>
+              <a:buChar char="•"/>
+              <a:defRPr sz="1200">
+                <a:solidFill>
+                  <a:schemeClr val="bg1"/>
+                </a:solidFill>
+                <a:latin typeface="Arial" panose="020B0604020202020204" pitchFamily="34" charset="0"/>
+                <a:ea typeface="Arial" panose="020B0604020202020204" pitchFamily="34" charset="0"/>
+                <a:cs typeface="Century Gothic" panose="020B0502020202020204" pitchFamily="34" charset="0"/>
+              </a:defRPr>
+            </a:lvl8pPr>
+            <a:lvl9pPr marL="3886200" indent="-228600" eaLnBrk="0" fontAlgn="base" hangingPunct="0">
+              <a:spcBef>
+                <a:spcPct val="20000"/>
+              </a:spcBef>
+              <a:spcAft>
+                <a:spcPct val="0"/>
+              </a:spcAft>
+              <a:buFont typeface="Arial" panose="020B0604020202020204" pitchFamily="34" charset="0"/>
+              <a:buChar char="•"/>
+              <a:defRPr sz="1200">
+                <a:solidFill>
+                  <a:schemeClr val="bg1"/>
+                </a:solidFill>
+                <a:latin typeface="Arial" panose="020B0604020202020204" pitchFamily="34" charset="0"/>
+                <a:ea typeface="Arial" panose="020B0604020202020204" pitchFamily="34" charset="0"/>
+                <a:cs typeface="Century Gothic" panose="020B0502020202020204" pitchFamily="34" charset="0"/>
+              </a:defRPr>
+            </a:lvl9pPr>
+          </a:lstStyle>
+          <a:p>
+            <a:pPr lvl="1" indent="0">
+              <a:spcBef>
+                <a:spcPct val="0"/>
+              </a:spcBef>
+              <a:buSzTx/>
+              <a:buNone/>
+            </a:pPr>
+            <a:r>
+              <a:rPr lang="en-US" altLang="en-US" sz="1100" b="1" dirty="0">
+                <a:solidFill>
+                  <a:schemeClr val="accent6"/>
+                </a:solidFill>
+                <a:latin typeface="Cambria" panose="02040503050406030204" pitchFamily="18" charset="0"/>
+                <a:ea typeface="Cambria" panose="02040503050406030204" pitchFamily="18" charset="0"/>
+                <a:cs typeface="Tahoma" panose="020B0604030504040204" pitchFamily="34" charset="0"/>
+              </a:rPr>
+              <a:t>Avoid</a:t>
+            </a:r>
+            <a:endParaRPr lang="en-GB" altLang="en-US" sz="1100" b="1" dirty="0">
+              <a:solidFill>
+                <a:schemeClr val="accent6"/>
+              </a:solidFill>
+              <a:latin typeface="Cambria" panose="02040503050406030204" pitchFamily="18" charset="0"/>
+              <a:ea typeface="Cambria" panose="02040503050406030204" pitchFamily="18" charset="0"/>
+              <a:cs typeface="Tahoma" panose="020B0604030504040204" pitchFamily="34" charset="0"/>
+            </a:endParaRPr>
+          </a:p>
+        </p:txBody>
+      </p:sp>
+    </p:spTree>
+    <p:extLst>
+      <p:ext uri="{BB962C8B-B14F-4D97-AF65-F5344CB8AC3E}">
+        <p14:creationId xmlns:p14="http://schemas.microsoft.com/office/powerpoint/2010/main" val="4267465520"/>
+      </p:ext>
+    </p:extLst>
+  </p:cSld>
+  <p:clrMapOvr>
+    <a:masterClrMapping/>
+  </p:clrMapOvr>
+</p:sld>
+</file>
+
+<file path=ppt/slides/slide7.xml><?xml version="1.0" encoding="utf-8"?>
 <p:sld xmlns:a="http://schemas.openxmlformats.org/drawingml/2006/main" xmlns:r="http://schemas.openxmlformats.org/officeDocument/2006/relationships" xmlns:p="http://schemas.openxmlformats.org/presentationml/2006/main">
   <p:cSld>
     <p:spTree>
@@ -13579,7 +17233,7 @@
 </p:sld>
 </file>
 
-<file path=ppt/slides/slide6.xml><?xml version="1.0" encoding="utf-8"?>
+<file path=ppt/slides/slide8.xml><?xml version="1.0" encoding="utf-8"?>
 <p:sld xmlns:a="http://schemas.openxmlformats.org/drawingml/2006/main" xmlns:r="http://schemas.openxmlformats.org/officeDocument/2006/relationships" xmlns:p="http://schemas.openxmlformats.org/presentationml/2006/main">
   <p:cSld>
     <p:spTree>
@@ -13624,7 +17278,7 @@
             <a:fld id="{80205D91-DB12-D84E-BDF5-5C1A349B2A1B}" type="slidenum">
               <a:rPr lang="en-US" smtClean="0"/>
               <a:pPr/>
-              <a:t>6</a:t>
+              <a:t>8</a:t>
             </a:fld>
             <a:endParaRPr lang="en-US"/>
           </a:p>
